--- a/Memory.pptx
+++ b/Memory.pptx
@@ -9,27 +9,31 @@
   </p:notesMasterIdLst>
   <p:sldIdLst>
     <p:sldId id="256" r:id="rId2"/>
-    <p:sldId id="257" r:id="rId3"/>
-    <p:sldId id="258" r:id="rId4"/>
-    <p:sldId id="259" r:id="rId5"/>
-    <p:sldId id="260" r:id="rId6"/>
-    <p:sldId id="261" r:id="rId7"/>
-    <p:sldId id="262" r:id="rId8"/>
+    <p:sldId id="258" r:id="rId3"/>
+    <p:sldId id="259" r:id="rId4"/>
+    <p:sldId id="260" r:id="rId5"/>
+    <p:sldId id="261" r:id="rId6"/>
+    <p:sldId id="262" r:id="rId7"/>
+    <p:sldId id="263" r:id="rId8"/>
   </p:sldIdLst>
   <p:sldSz cx="9144000" cy="5143500" type="screen16x9"/>
   <p:notesSz cx="6858000" cy="9144000"/>
   <p:embeddedFontLst>
     <p:embeddedFont>
+      <p:font typeface="Bahnschrift SemiBold" panose="020B0502040204020203" pitchFamily="34" charset="0"/>
+      <p:bold r:id="rId10"/>
+    </p:embeddedFont>
+    <p:embeddedFont>
       <p:font typeface="Oswald" panose="020B0604020202020204" charset="0"/>
-      <p:regular r:id="rId10"/>
-      <p:bold r:id="rId11"/>
+      <p:regular r:id="rId11"/>
+      <p:bold r:id="rId12"/>
     </p:embeddedFont>
     <p:embeddedFont>
       <p:font typeface="Source Code Pro" panose="020B0604020202020204" charset="0"/>
-      <p:regular r:id="rId12"/>
-      <p:bold r:id="rId13"/>
-      <p:italic r:id="rId14"/>
-      <p:boldItalic r:id="rId15"/>
+      <p:regular r:id="rId13"/>
+      <p:bold r:id="rId14"/>
+      <p:italic r:id="rId15"/>
+      <p:boldItalic r:id="rId16"/>
     </p:embeddedFont>
   </p:embeddedFontLst>
   <p:defaultTextStyle>
@@ -750,8 +754,8 @@
         </p:nvSpPr>
         <p:spPr>
           <a:xfrm>
-            <a:off x="381188" y="685800"/>
-            <a:ext cx="6096300" cy="3429000"/>
+            <a:off x="381000" y="685800"/>
+            <a:ext cx="6096000" cy="3429000"/>
           </a:xfrm>
           <a:custGeom>
             <a:avLst/>
@@ -830,110 +834,6 @@
   <p:cSld>
     <p:spTree>
       <p:nvGrpSpPr>
-        <p:cNvPr id="1" name="Shape 64"/>
-        <p:cNvGrpSpPr/>
-        <p:nvPr/>
-      </p:nvGrpSpPr>
-      <p:grpSpPr>
-        <a:xfrm>
-          <a:off x="0" y="0"/>
-          <a:ext cx="0" cy="0"/>
-          <a:chOff x="0" y="0"/>
-          <a:chExt cx="0" cy="0"/>
-        </a:xfrm>
-      </p:grpSpPr>
-      <p:sp>
-        <p:nvSpPr>
-          <p:cNvPr id="65" name="Google Shape;65;gc107872f9a_0_0:notes"/>
-          <p:cNvSpPr>
-            <a:spLocks noGrp="1" noRot="1" noChangeAspect="1"/>
-          </p:cNvSpPr>
-          <p:nvPr>
-            <p:ph type="sldImg" idx="2"/>
-          </p:nvPr>
-        </p:nvSpPr>
-        <p:spPr>
-          <a:xfrm>
-            <a:off x="381188" y="685800"/>
-            <a:ext cx="6096300" cy="3429000"/>
-          </a:xfrm>
-          <a:custGeom>
-            <a:avLst/>
-            <a:gdLst/>
-            <a:ahLst/>
-            <a:cxnLst/>
-            <a:rect l="l" t="t" r="r" b="b"/>
-            <a:pathLst>
-              <a:path w="120000" h="120000" extrusionOk="0">
-                <a:moveTo>
-                  <a:pt x="0" y="0"/>
-                </a:moveTo>
-                <a:lnTo>
-                  <a:pt x="120000" y="0"/>
-                </a:lnTo>
-                <a:lnTo>
-                  <a:pt x="120000" y="120000"/>
-                </a:lnTo>
-                <a:lnTo>
-                  <a:pt x="0" y="120000"/>
-                </a:lnTo>
-                <a:close/>
-              </a:path>
-            </a:pathLst>
-          </a:custGeom>
-        </p:spPr>
-      </p:sp>
-      <p:sp>
-        <p:nvSpPr>
-          <p:cNvPr id="66" name="Google Shape;66;gc107872f9a_0_0:notes"/>
-          <p:cNvSpPr txBox="1">
-            <a:spLocks noGrp="1"/>
-          </p:cNvSpPr>
-          <p:nvPr>
-            <p:ph type="body" idx="1"/>
-          </p:nvPr>
-        </p:nvSpPr>
-        <p:spPr>
-          <a:xfrm>
-            <a:off x="685800" y="4343400"/>
-            <a:ext cx="5486400" cy="4114800"/>
-          </a:xfrm>
-          <a:prstGeom prst="rect">
-            <a:avLst/>
-          </a:prstGeom>
-        </p:spPr>
-        <p:txBody>
-          <a:bodyPr spcFirstLastPara="1" wrap="square" lIns="91425" tIns="91425" rIns="91425" bIns="91425" anchor="t" anchorCtr="0">
-            <a:noAutofit/>
-          </a:bodyPr>
-          <a:lstStyle/>
-          <a:p>
-            <a:pPr marL="0" lvl="0" indent="0" algn="l" rtl="0">
-              <a:spcBef>
-                <a:spcPts val="0"/>
-              </a:spcBef>
-              <a:spcAft>
-                <a:spcPts val="0"/>
-              </a:spcAft>
-              <a:buNone/>
-            </a:pPr>
-            <a:endParaRPr/>
-          </a:p>
-        </p:txBody>
-      </p:sp>
-    </p:spTree>
-  </p:cSld>
-  <p:clrMapOvr>
-    <a:masterClrMapping/>
-  </p:clrMapOvr>
-</p:notes>
-</file>
-
-<file path=ppt/notesSlides/notesSlide3.xml><?xml version="1.0" encoding="utf-8"?>
-<p:notes xmlns:a="http://schemas.openxmlformats.org/drawingml/2006/main" xmlns:r="http://schemas.openxmlformats.org/officeDocument/2006/relationships" xmlns:p="http://schemas.openxmlformats.org/presentationml/2006/main" showMasterSp="0" showMasterPhAnim="0">
-  <p:cSld>
-    <p:spTree>
-      <p:nvGrpSpPr>
         <p:cNvPr id="1" name="Shape 70"/>
         <p:cNvGrpSpPr/>
         <p:nvPr/>
@@ -958,8 +858,8 @@
         </p:nvSpPr>
         <p:spPr>
           <a:xfrm>
-            <a:off x="381188" y="685800"/>
-            <a:ext cx="6096300" cy="3429000"/>
+            <a:off x="381000" y="685800"/>
+            <a:ext cx="6096000" cy="3429000"/>
           </a:xfrm>
           <a:custGeom>
             <a:avLst/>
@@ -1033,7 +933,7 @@
 </p:notes>
 </file>
 
-<file path=ppt/notesSlides/notesSlide4.xml><?xml version="1.0" encoding="utf-8"?>
+<file path=ppt/notesSlides/notesSlide3.xml><?xml version="1.0" encoding="utf-8"?>
 <p:notes xmlns:a="http://schemas.openxmlformats.org/drawingml/2006/main" xmlns:r="http://schemas.openxmlformats.org/officeDocument/2006/relationships" xmlns:p="http://schemas.openxmlformats.org/presentationml/2006/main" showMasterSp="0" showMasterPhAnim="0">
   <p:cSld>
     <p:spTree>
@@ -1062,7 +962,7 @@
         </p:nvSpPr>
         <p:spPr>
           <a:xfrm>
-            <a:off x="381300" y="685800"/>
+            <a:off x="381000" y="685800"/>
             <a:ext cx="6096000" cy="3429000"/>
           </a:xfrm>
           <a:custGeom>
@@ -1137,7 +1037,7 @@
 </p:notes>
 </file>
 
-<file path=ppt/notesSlides/notesSlide5.xml><?xml version="1.0" encoding="utf-8"?>
+<file path=ppt/notesSlides/notesSlide4.xml><?xml version="1.0" encoding="utf-8"?>
 <p:notes xmlns:a="http://schemas.openxmlformats.org/drawingml/2006/main" xmlns:r="http://schemas.openxmlformats.org/officeDocument/2006/relationships" xmlns:p="http://schemas.openxmlformats.org/presentationml/2006/main" showMasterSp="0" showMasterPhAnim="0">
   <p:cSld>
     <p:spTree>
@@ -1166,8 +1066,8 @@
         </p:nvSpPr>
         <p:spPr>
           <a:xfrm>
-            <a:off x="381188" y="685800"/>
-            <a:ext cx="6096300" cy="3429000"/>
+            <a:off x="381000" y="685800"/>
+            <a:ext cx="6096000" cy="3429000"/>
           </a:xfrm>
           <a:custGeom>
             <a:avLst/>
@@ -1241,7 +1141,7 @@
 </p:notes>
 </file>
 
-<file path=ppt/notesSlides/notesSlide6.xml><?xml version="1.0" encoding="utf-8"?>
+<file path=ppt/notesSlides/notesSlide5.xml><?xml version="1.0" encoding="utf-8"?>
 <p:notes xmlns:a="http://schemas.openxmlformats.org/drawingml/2006/main" xmlns:r="http://schemas.openxmlformats.org/officeDocument/2006/relationships" xmlns:p="http://schemas.openxmlformats.org/presentationml/2006/main" showMasterSp="0" showMasterPhAnim="0">
   <p:cSld>
     <p:spTree>
@@ -1270,8 +1170,8 @@
         </p:nvSpPr>
         <p:spPr>
           <a:xfrm>
-            <a:off x="381188" y="685800"/>
-            <a:ext cx="6096300" cy="3429000"/>
+            <a:off x="381000" y="685800"/>
+            <a:ext cx="6096000" cy="3429000"/>
           </a:xfrm>
           <a:custGeom>
             <a:avLst/>
@@ -1302,110 +1202,6 @@
       <p:sp>
         <p:nvSpPr>
           <p:cNvPr id="90" name="Google Shape;90;gc6f80d1ff_0_10:notes"/>
-          <p:cNvSpPr txBox="1">
-            <a:spLocks noGrp="1"/>
-          </p:cNvSpPr>
-          <p:nvPr>
-            <p:ph type="body" idx="1"/>
-          </p:nvPr>
-        </p:nvSpPr>
-        <p:spPr>
-          <a:xfrm>
-            <a:off x="685800" y="4343400"/>
-            <a:ext cx="5486400" cy="4114800"/>
-          </a:xfrm>
-          <a:prstGeom prst="rect">
-            <a:avLst/>
-          </a:prstGeom>
-        </p:spPr>
-        <p:txBody>
-          <a:bodyPr spcFirstLastPara="1" wrap="square" lIns="91425" tIns="91425" rIns="91425" bIns="91425" anchor="t" anchorCtr="0">
-            <a:noAutofit/>
-          </a:bodyPr>
-          <a:lstStyle/>
-          <a:p>
-            <a:pPr marL="0" lvl="0" indent="0" algn="l" rtl="0">
-              <a:spcBef>
-                <a:spcPts val="0"/>
-              </a:spcBef>
-              <a:spcAft>
-                <a:spcPts val="0"/>
-              </a:spcAft>
-              <a:buNone/>
-            </a:pPr>
-            <a:endParaRPr/>
-          </a:p>
-        </p:txBody>
-      </p:sp>
-    </p:spTree>
-  </p:cSld>
-  <p:clrMapOvr>
-    <a:masterClrMapping/>
-  </p:clrMapOvr>
-</p:notes>
-</file>
-
-<file path=ppt/notesSlides/notesSlide7.xml><?xml version="1.0" encoding="utf-8"?>
-<p:notes xmlns:a="http://schemas.openxmlformats.org/drawingml/2006/main" xmlns:r="http://schemas.openxmlformats.org/officeDocument/2006/relationships" xmlns:p="http://schemas.openxmlformats.org/presentationml/2006/main" showMasterSp="0" showMasterPhAnim="0">
-  <p:cSld>
-    <p:spTree>
-      <p:nvGrpSpPr>
-        <p:cNvPr id="1" name="Shape 102"/>
-        <p:cNvGrpSpPr/>
-        <p:nvPr/>
-      </p:nvGrpSpPr>
-      <p:grpSpPr>
-        <a:xfrm>
-          <a:off x="0" y="0"/>
-          <a:ext cx="0" cy="0"/>
-          <a:chOff x="0" y="0"/>
-          <a:chExt cx="0" cy="0"/>
-        </a:xfrm>
-      </p:grpSpPr>
-      <p:sp>
-        <p:nvSpPr>
-          <p:cNvPr id="103" name="Google Shape;103;gc107872f9a_0_11:notes"/>
-          <p:cNvSpPr>
-            <a:spLocks noGrp="1" noRot="1" noChangeAspect="1"/>
-          </p:cNvSpPr>
-          <p:nvPr>
-            <p:ph type="sldImg" idx="2"/>
-          </p:nvPr>
-        </p:nvSpPr>
-        <p:spPr>
-          <a:xfrm>
-            <a:off x="381300" y="685800"/>
-            <a:ext cx="6096000" cy="3429000"/>
-          </a:xfrm>
-          <a:custGeom>
-            <a:avLst/>
-            <a:gdLst/>
-            <a:ahLst/>
-            <a:cxnLst/>
-            <a:rect l="l" t="t" r="r" b="b"/>
-            <a:pathLst>
-              <a:path w="120000" h="120000" extrusionOk="0">
-                <a:moveTo>
-                  <a:pt x="0" y="0"/>
-                </a:moveTo>
-                <a:lnTo>
-                  <a:pt x="120000" y="0"/>
-                </a:lnTo>
-                <a:lnTo>
-                  <a:pt x="120000" y="120000"/>
-                </a:lnTo>
-                <a:lnTo>
-                  <a:pt x="0" y="120000"/>
-                </a:lnTo>
-                <a:close/>
-              </a:path>
-            </a:pathLst>
-          </a:custGeom>
-        </p:spPr>
-      </p:sp>
-      <p:sp>
-        <p:nvSpPr>
-          <p:cNvPr id="104" name="Google Shape;104;gc107872f9a_0_11:notes"/>
           <p:cNvSpPr txBox="1">
             <a:spLocks noGrp="1"/>
           </p:cNvSpPr>
@@ -1953,500 +1749,6 @@
       <p:sp>
         <p:nvSpPr>
           <p:cNvPr id="14" name="Google Shape;14;p2"/>
-          <p:cNvSpPr txBox="1">
-            <a:spLocks noGrp="1"/>
-          </p:cNvSpPr>
-          <p:nvPr>
-            <p:ph type="sldNum" idx="12"/>
-          </p:nvPr>
-        </p:nvSpPr>
-        <p:spPr>
-          <a:xfrm>
-            <a:off x="8472458" y="4663217"/>
-            <a:ext cx="548700" cy="393600"/>
-          </a:xfrm>
-          <a:prstGeom prst="rect">
-            <a:avLst/>
-          </a:prstGeom>
-        </p:spPr>
-        <p:txBody>
-          <a:bodyPr spcFirstLastPara="1" wrap="square" lIns="91425" tIns="91425" rIns="91425" bIns="91425" anchor="ctr" anchorCtr="0">
-            <a:noAutofit/>
-          </a:bodyPr>
-          <a:lstStyle>
-            <a:lvl1pPr lvl="0">
-              <a:buNone/>
-              <a:defRPr/>
-            </a:lvl1pPr>
-            <a:lvl2pPr lvl="1">
-              <a:buNone/>
-              <a:defRPr/>
-            </a:lvl2pPr>
-            <a:lvl3pPr lvl="2">
-              <a:buNone/>
-              <a:defRPr/>
-            </a:lvl3pPr>
-            <a:lvl4pPr lvl="3">
-              <a:buNone/>
-              <a:defRPr/>
-            </a:lvl4pPr>
-            <a:lvl5pPr lvl="4">
-              <a:buNone/>
-              <a:defRPr/>
-            </a:lvl5pPr>
-            <a:lvl6pPr lvl="5">
-              <a:buNone/>
-              <a:defRPr/>
-            </a:lvl6pPr>
-            <a:lvl7pPr lvl="6">
-              <a:buNone/>
-              <a:defRPr/>
-            </a:lvl7pPr>
-            <a:lvl8pPr lvl="7">
-              <a:buNone/>
-              <a:defRPr/>
-            </a:lvl8pPr>
-            <a:lvl9pPr lvl="8">
-              <a:buNone/>
-              <a:defRPr/>
-            </a:lvl9pPr>
-          </a:lstStyle>
-          <a:p>
-            <a:pPr marL="0" lvl="0" indent="0" algn="r" rtl="0">
-              <a:spcBef>
-                <a:spcPts val="0"/>
-              </a:spcBef>
-              <a:spcAft>
-                <a:spcPts val="0"/>
-              </a:spcAft>
-              <a:buNone/>
-            </a:pPr>
-            <a:fld id="{00000000-1234-1234-1234-123412341234}" type="slidenum">
-              <a:rPr lang="es"/>
-              <a:t>‹Nº›</a:t>
-            </a:fld>
-            <a:endParaRPr/>
-          </a:p>
-        </p:txBody>
-      </p:sp>
-    </p:spTree>
-  </p:cSld>
-  <p:clrMapOvr>
-    <a:masterClrMapping/>
-  </p:clrMapOvr>
-</p:sldLayout>
-</file>
-
-<file path=ppt/slideLayouts/slideLayout10.xml><?xml version="1.0" encoding="utf-8"?>
-<p:sldLayout xmlns:a="http://schemas.openxmlformats.org/drawingml/2006/main" xmlns:r="http://schemas.openxmlformats.org/officeDocument/2006/relationships" xmlns:p="http://schemas.openxmlformats.org/presentationml/2006/main" matchingName="Big number">
-  <p:cSld name="BIG_NUMBER">
-    <p:spTree>
-      <p:nvGrpSpPr>
-        <p:cNvPr id="1" name="Shape 51"/>
-        <p:cNvGrpSpPr/>
-        <p:nvPr/>
-      </p:nvGrpSpPr>
-      <p:grpSpPr>
-        <a:xfrm>
-          <a:off x="0" y="0"/>
-          <a:ext cx="0" cy="0"/>
-          <a:chOff x="0" y="0"/>
-          <a:chExt cx="0" cy="0"/>
-        </a:xfrm>
-      </p:grpSpPr>
-      <p:cxnSp>
-        <p:nvCxnSpPr>
-          <p:cNvPr id="52" name="Google Shape;52;p11"/>
-          <p:cNvCxnSpPr/>
-          <p:nvPr/>
-        </p:nvCxnSpPr>
-        <p:spPr>
-          <a:xfrm>
-            <a:off x="413275" y="2988275"/>
-            <a:ext cx="910500" cy="0"/>
-          </a:xfrm>
-          <a:prstGeom prst="straightConnector1">
-            <a:avLst/>
-          </a:prstGeom>
-          <a:noFill/>
-          <a:ln w="28575" cap="flat" cmpd="sng">
-            <a:solidFill>
-              <a:schemeClr val="dk1"/>
-            </a:solidFill>
-            <a:prstDash val="lgDash"/>
-            <a:round/>
-            <a:headEnd type="none" w="sm" len="sm"/>
-            <a:tailEnd type="none" w="sm" len="sm"/>
-          </a:ln>
-        </p:spPr>
-      </p:cxnSp>
-      <p:sp>
-        <p:nvSpPr>
-          <p:cNvPr id="53" name="Google Shape;53;p11"/>
-          <p:cNvSpPr txBox="1">
-            <a:spLocks noGrp="1"/>
-          </p:cNvSpPr>
-          <p:nvPr>
-            <p:ph type="title" hasCustomPrompt="1"/>
-          </p:nvPr>
-        </p:nvSpPr>
-        <p:spPr>
-          <a:xfrm>
-            <a:off x="311700" y="1106125"/>
-            <a:ext cx="8520600" cy="1963500"/>
-          </a:xfrm>
-          <a:prstGeom prst="rect">
-            <a:avLst/>
-          </a:prstGeom>
-        </p:spPr>
-        <p:txBody>
-          <a:bodyPr spcFirstLastPara="1" wrap="square" lIns="91425" tIns="91425" rIns="91425" bIns="91425" anchor="b" anchorCtr="0">
-            <a:noAutofit/>
-          </a:bodyPr>
-          <a:lstStyle>
-            <a:lvl1pPr lvl="0">
-              <a:spcBef>
-                <a:spcPts val="0"/>
-              </a:spcBef>
-              <a:spcAft>
-                <a:spcPts val="0"/>
-              </a:spcAft>
-              <a:buSzPts val="12000"/>
-              <a:buNone/>
-              <a:defRPr sz="12000"/>
-            </a:lvl1pPr>
-            <a:lvl2pPr lvl="1">
-              <a:spcBef>
-                <a:spcPts val="0"/>
-              </a:spcBef>
-              <a:spcAft>
-                <a:spcPts val="0"/>
-              </a:spcAft>
-              <a:buSzPts val="12000"/>
-              <a:buNone/>
-              <a:defRPr sz="12000"/>
-            </a:lvl2pPr>
-            <a:lvl3pPr lvl="2">
-              <a:spcBef>
-                <a:spcPts val="0"/>
-              </a:spcBef>
-              <a:spcAft>
-                <a:spcPts val="0"/>
-              </a:spcAft>
-              <a:buSzPts val="12000"/>
-              <a:buNone/>
-              <a:defRPr sz="12000"/>
-            </a:lvl3pPr>
-            <a:lvl4pPr lvl="3">
-              <a:spcBef>
-                <a:spcPts val="0"/>
-              </a:spcBef>
-              <a:spcAft>
-                <a:spcPts val="0"/>
-              </a:spcAft>
-              <a:buSzPts val="12000"/>
-              <a:buNone/>
-              <a:defRPr sz="12000"/>
-            </a:lvl4pPr>
-            <a:lvl5pPr lvl="4">
-              <a:spcBef>
-                <a:spcPts val="0"/>
-              </a:spcBef>
-              <a:spcAft>
-                <a:spcPts val="0"/>
-              </a:spcAft>
-              <a:buSzPts val="12000"/>
-              <a:buNone/>
-              <a:defRPr sz="12000"/>
-            </a:lvl5pPr>
-            <a:lvl6pPr lvl="5">
-              <a:spcBef>
-                <a:spcPts val="0"/>
-              </a:spcBef>
-              <a:spcAft>
-                <a:spcPts val="0"/>
-              </a:spcAft>
-              <a:buSzPts val="12000"/>
-              <a:buNone/>
-              <a:defRPr sz="12000"/>
-            </a:lvl6pPr>
-            <a:lvl7pPr lvl="6">
-              <a:spcBef>
-                <a:spcPts val="0"/>
-              </a:spcBef>
-              <a:spcAft>
-                <a:spcPts val="0"/>
-              </a:spcAft>
-              <a:buSzPts val="12000"/>
-              <a:buNone/>
-              <a:defRPr sz="12000"/>
-            </a:lvl7pPr>
-            <a:lvl8pPr lvl="7">
-              <a:spcBef>
-                <a:spcPts val="0"/>
-              </a:spcBef>
-              <a:spcAft>
-                <a:spcPts val="0"/>
-              </a:spcAft>
-              <a:buSzPts val="12000"/>
-              <a:buNone/>
-              <a:defRPr sz="12000"/>
-            </a:lvl8pPr>
-            <a:lvl9pPr lvl="8">
-              <a:spcBef>
-                <a:spcPts val="0"/>
-              </a:spcBef>
-              <a:spcAft>
-                <a:spcPts val="0"/>
-              </a:spcAft>
-              <a:buSzPts val="12000"/>
-              <a:buNone/>
-              <a:defRPr sz="12000"/>
-            </a:lvl9pPr>
-          </a:lstStyle>
-          <a:p>
-            <a:r>
-              <a:t>xx%</a:t>
-            </a:r>
-          </a:p>
-        </p:txBody>
-      </p:sp>
-      <p:sp>
-        <p:nvSpPr>
-          <p:cNvPr id="54" name="Google Shape;54;p11"/>
-          <p:cNvSpPr txBox="1">
-            <a:spLocks noGrp="1"/>
-          </p:cNvSpPr>
-          <p:nvPr>
-            <p:ph type="body" idx="1"/>
-          </p:nvPr>
-        </p:nvSpPr>
-        <p:spPr>
-          <a:xfrm>
-            <a:off x="311700" y="3152225"/>
-            <a:ext cx="8520600" cy="1300800"/>
-          </a:xfrm>
-          <a:prstGeom prst="rect">
-            <a:avLst/>
-          </a:prstGeom>
-        </p:spPr>
-        <p:txBody>
-          <a:bodyPr spcFirstLastPara="1" wrap="square" lIns="91425" tIns="91425" rIns="91425" bIns="91425" anchor="t" anchorCtr="0">
-            <a:noAutofit/>
-          </a:bodyPr>
-          <a:lstStyle>
-            <a:lvl1pPr marL="457200" lvl="0" indent="-342900">
-              <a:spcBef>
-                <a:spcPts val="0"/>
-              </a:spcBef>
-              <a:spcAft>
-                <a:spcPts val="0"/>
-              </a:spcAft>
-              <a:buSzPts val="1800"/>
-              <a:buChar char="●"/>
-              <a:defRPr/>
-            </a:lvl1pPr>
-            <a:lvl2pPr marL="914400" lvl="1" indent="-317500">
-              <a:spcBef>
-                <a:spcPts val="1600"/>
-              </a:spcBef>
-              <a:spcAft>
-                <a:spcPts val="0"/>
-              </a:spcAft>
-              <a:buSzPts val="1400"/>
-              <a:buChar char="○"/>
-              <a:defRPr/>
-            </a:lvl2pPr>
-            <a:lvl3pPr marL="1371600" lvl="2" indent="-317500">
-              <a:spcBef>
-                <a:spcPts val="1600"/>
-              </a:spcBef>
-              <a:spcAft>
-                <a:spcPts val="0"/>
-              </a:spcAft>
-              <a:buSzPts val="1400"/>
-              <a:buChar char="■"/>
-              <a:defRPr/>
-            </a:lvl3pPr>
-            <a:lvl4pPr marL="1828800" lvl="3" indent="-317500">
-              <a:spcBef>
-                <a:spcPts val="1600"/>
-              </a:spcBef>
-              <a:spcAft>
-                <a:spcPts val="0"/>
-              </a:spcAft>
-              <a:buSzPts val="1400"/>
-              <a:buChar char="●"/>
-              <a:defRPr/>
-            </a:lvl4pPr>
-            <a:lvl5pPr marL="2286000" lvl="4" indent="-317500">
-              <a:spcBef>
-                <a:spcPts val="1600"/>
-              </a:spcBef>
-              <a:spcAft>
-                <a:spcPts val="0"/>
-              </a:spcAft>
-              <a:buSzPts val="1400"/>
-              <a:buChar char="○"/>
-              <a:defRPr/>
-            </a:lvl5pPr>
-            <a:lvl6pPr marL="2743200" lvl="5" indent="-317500">
-              <a:spcBef>
-                <a:spcPts val="1600"/>
-              </a:spcBef>
-              <a:spcAft>
-                <a:spcPts val="0"/>
-              </a:spcAft>
-              <a:buSzPts val="1400"/>
-              <a:buChar char="■"/>
-              <a:defRPr/>
-            </a:lvl6pPr>
-            <a:lvl7pPr marL="3200400" lvl="6" indent="-317500">
-              <a:spcBef>
-                <a:spcPts val="1600"/>
-              </a:spcBef>
-              <a:spcAft>
-                <a:spcPts val="0"/>
-              </a:spcAft>
-              <a:buSzPts val="1400"/>
-              <a:buChar char="●"/>
-              <a:defRPr/>
-            </a:lvl7pPr>
-            <a:lvl8pPr marL="3657600" lvl="7" indent="-317500">
-              <a:spcBef>
-                <a:spcPts val="1600"/>
-              </a:spcBef>
-              <a:spcAft>
-                <a:spcPts val="0"/>
-              </a:spcAft>
-              <a:buSzPts val="1400"/>
-              <a:buChar char="○"/>
-              <a:defRPr/>
-            </a:lvl8pPr>
-            <a:lvl9pPr marL="4114800" lvl="8" indent="-317500">
-              <a:spcBef>
-                <a:spcPts val="1600"/>
-              </a:spcBef>
-              <a:spcAft>
-                <a:spcPts val="1600"/>
-              </a:spcAft>
-              <a:buSzPts val="1400"/>
-              <a:buChar char="■"/>
-              <a:defRPr/>
-            </a:lvl9pPr>
-          </a:lstStyle>
-          <a:p>
-            <a:endParaRPr/>
-          </a:p>
-        </p:txBody>
-      </p:sp>
-      <p:sp>
-        <p:nvSpPr>
-          <p:cNvPr id="55" name="Google Shape;55;p11"/>
-          <p:cNvSpPr txBox="1">
-            <a:spLocks noGrp="1"/>
-          </p:cNvSpPr>
-          <p:nvPr>
-            <p:ph type="sldNum" idx="12"/>
-          </p:nvPr>
-        </p:nvSpPr>
-        <p:spPr>
-          <a:xfrm>
-            <a:off x="8472458" y="4663217"/>
-            <a:ext cx="548700" cy="393600"/>
-          </a:xfrm>
-          <a:prstGeom prst="rect">
-            <a:avLst/>
-          </a:prstGeom>
-        </p:spPr>
-        <p:txBody>
-          <a:bodyPr spcFirstLastPara="1" wrap="square" lIns="91425" tIns="91425" rIns="91425" bIns="91425" anchor="ctr" anchorCtr="0">
-            <a:noAutofit/>
-          </a:bodyPr>
-          <a:lstStyle>
-            <a:lvl1pPr lvl="0">
-              <a:buNone/>
-              <a:defRPr/>
-            </a:lvl1pPr>
-            <a:lvl2pPr lvl="1">
-              <a:buNone/>
-              <a:defRPr/>
-            </a:lvl2pPr>
-            <a:lvl3pPr lvl="2">
-              <a:buNone/>
-              <a:defRPr/>
-            </a:lvl3pPr>
-            <a:lvl4pPr lvl="3">
-              <a:buNone/>
-              <a:defRPr/>
-            </a:lvl4pPr>
-            <a:lvl5pPr lvl="4">
-              <a:buNone/>
-              <a:defRPr/>
-            </a:lvl5pPr>
-            <a:lvl6pPr lvl="5">
-              <a:buNone/>
-              <a:defRPr/>
-            </a:lvl6pPr>
-            <a:lvl7pPr lvl="6">
-              <a:buNone/>
-              <a:defRPr/>
-            </a:lvl7pPr>
-            <a:lvl8pPr lvl="7">
-              <a:buNone/>
-              <a:defRPr/>
-            </a:lvl8pPr>
-            <a:lvl9pPr lvl="8">
-              <a:buNone/>
-              <a:defRPr/>
-            </a:lvl9pPr>
-          </a:lstStyle>
-          <a:p>
-            <a:pPr marL="0" lvl="0" indent="0" algn="r" rtl="0">
-              <a:spcBef>
-                <a:spcPts val="0"/>
-              </a:spcBef>
-              <a:spcAft>
-                <a:spcPts val="0"/>
-              </a:spcAft>
-              <a:buNone/>
-            </a:pPr>
-            <a:fld id="{00000000-1234-1234-1234-123412341234}" type="slidenum">
-              <a:rPr lang="es"/>
-              <a:t>‹Nº›</a:t>
-            </a:fld>
-            <a:endParaRPr/>
-          </a:p>
-        </p:txBody>
-      </p:sp>
-    </p:spTree>
-  </p:cSld>
-  <p:clrMapOvr>
-    <a:masterClrMapping/>
-  </p:clrMapOvr>
-</p:sldLayout>
-</file>
-
-<file path=ppt/slideLayouts/slideLayout11.xml><?xml version="1.0" encoding="utf-8"?>
-<p:sldLayout xmlns:a="http://schemas.openxmlformats.org/drawingml/2006/main" xmlns:r="http://schemas.openxmlformats.org/officeDocument/2006/relationships" xmlns:p="http://schemas.openxmlformats.org/presentationml/2006/main" matchingName="Blank" type="blank">
-  <p:cSld name="BLANK">
-    <p:spTree>
-      <p:nvGrpSpPr>
-        <p:cNvPr id="1" name="Shape 56"/>
-        <p:cNvGrpSpPr/>
-        <p:nvPr/>
-      </p:nvGrpSpPr>
-      <p:grpSpPr>
-        <a:xfrm>
-          <a:off x="0" y="0"/>
-          <a:ext cx="0" cy="0"/>
-          <a:chOff x="0" y="0"/>
-          <a:chExt cx="0" cy="0"/>
-        </a:xfrm>
-      </p:grpSpPr>
-      <p:sp>
-        <p:nvSpPr>
-          <p:cNvPr id="57" name="Google Shape;57;p12"/>
           <p:cNvSpPr txBox="1">
             <a:spLocks noGrp="1"/>
           </p:cNvSpPr>
@@ -4006,394 +3308,6 @@
 </file>
 
 <file path=ppt/slideLayouts/slideLayout6.xml><?xml version="1.0" encoding="utf-8"?>
-<p:sldLayout xmlns:a="http://schemas.openxmlformats.org/drawingml/2006/main" xmlns:r="http://schemas.openxmlformats.org/officeDocument/2006/relationships" xmlns:p="http://schemas.openxmlformats.org/presentationml/2006/main" matchingName="One column text">
-  <p:cSld name="ONE_COLUMN_TEXT">
-    <p:spTree>
-      <p:nvGrpSpPr>
-        <p:cNvPr id="1" name="Shape 33"/>
-        <p:cNvGrpSpPr/>
-        <p:nvPr/>
-      </p:nvGrpSpPr>
-      <p:grpSpPr>
-        <a:xfrm>
-          <a:off x="0" y="0"/>
-          <a:ext cx="0" cy="0"/>
-          <a:chOff x="0" y="0"/>
-          <a:chExt cx="0" cy="0"/>
-        </a:xfrm>
-      </p:grpSpPr>
-      <p:cxnSp>
-        <p:nvCxnSpPr>
-          <p:cNvPr id="34" name="Google Shape;34;p7"/>
-          <p:cNvCxnSpPr/>
-          <p:nvPr/>
-        </p:nvCxnSpPr>
-        <p:spPr>
-          <a:xfrm>
-            <a:off x="418675" y="1457787"/>
-            <a:ext cx="614100" cy="0"/>
-          </a:xfrm>
-          <a:prstGeom prst="straightConnector1">
-            <a:avLst/>
-          </a:prstGeom>
-          <a:noFill/>
-          <a:ln w="19050" cap="flat" cmpd="sng">
-            <a:solidFill>
-              <a:schemeClr val="dk2"/>
-            </a:solidFill>
-            <a:prstDash val="lgDash"/>
-            <a:round/>
-            <a:headEnd type="none" w="sm" len="sm"/>
-            <a:tailEnd type="none" w="sm" len="sm"/>
-          </a:ln>
-        </p:spPr>
-      </p:cxnSp>
-      <p:sp>
-        <p:nvSpPr>
-          <p:cNvPr id="35" name="Google Shape;35;p7"/>
-          <p:cNvSpPr txBox="1">
-            <a:spLocks noGrp="1"/>
-          </p:cNvSpPr>
-          <p:nvPr>
-            <p:ph type="title"/>
-          </p:nvPr>
-        </p:nvSpPr>
-        <p:spPr>
-          <a:xfrm>
-            <a:off x="311700" y="631800"/>
-            <a:ext cx="2808000" cy="755700"/>
-          </a:xfrm>
-          <a:prstGeom prst="rect">
-            <a:avLst/>
-          </a:prstGeom>
-        </p:spPr>
-        <p:txBody>
-          <a:bodyPr spcFirstLastPara="1" wrap="square" lIns="91425" tIns="91425" rIns="91425" bIns="91425" anchor="b" anchorCtr="0">
-            <a:noAutofit/>
-          </a:bodyPr>
-          <a:lstStyle>
-            <a:lvl1pPr lvl="0">
-              <a:spcBef>
-                <a:spcPts val="0"/>
-              </a:spcBef>
-              <a:spcAft>
-                <a:spcPts val="0"/>
-              </a:spcAft>
-              <a:buSzPts val="2400"/>
-              <a:buNone/>
-              <a:defRPr sz="2400"/>
-            </a:lvl1pPr>
-            <a:lvl2pPr lvl="1">
-              <a:spcBef>
-                <a:spcPts val="0"/>
-              </a:spcBef>
-              <a:spcAft>
-                <a:spcPts val="0"/>
-              </a:spcAft>
-              <a:buSzPts val="2400"/>
-              <a:buNone/>
-              <a:defRPr sz="2400"/>
-            </a:lvl2pPr>
-            <a:lvl3pPr lvl="2">
-              <a:spcBef>
-                <a:spcPts val="0"/>
-              </a:spcBef>
-              <a:spcAft>
-                <a:spcPts val="0"/>
-              </a:spcAft>
-              <a:buSzPts val="2400"/>
-              <a:buNone/>
-              <a:defRPr sz="2400"/>
-            </a:lvl3pPr>
-            <a:lvl4pPr lvl="3">
-              <a:spcBef>
-                <a:spcPts val="0"/>
-              </a:spcBef>
-              <a:spcAft>
-                <a:spcPts val="0"/>
-              </a:spcAft>
-              <a:buSzPts val="2400"/>
-              <a:buNone/>
-              <a:defRPr sz="2400"/>
-            </a:lvl4pPr>
-            <a:lvl5pPr lvl="4">
-              <a:spcBef>
-                <a:spcPts val="0"/>
-              </a:spcBef>
-              <a:spcAft>
-                <a:spcPts val="0"/>
-              </a:spcAft>
-              <a:buSzPts val="2400"/>
-              <a:buNone/>
-              <a:defRPr sz="2400"/>
-            </a:lvl5pPr>
-            <a:lvl6pPr lvl="5">
-              <a:spcBef>
-                <a:spcPts val="0"/>
-              </a:spcBef>
-              <a:spcAft>
-                <a:spcPts val="0"/>
-              </a:spcAft>
-              <a:buSzPts val="2400"/>
-              <a:buNone/>
-              <a:defRPr sz="2400"/>
-            </a:lvl6pPr>
-            <a:lvl7pPr lvl="6">
-              <a:spcBef>
-                <a:spcPts val="0"/>
-              </a:spcBef>
-              <a:spcAft>
-                <a:spcPts val="0"/>
-              </a:spcAft>
-              <a:buSzPts val="2400"/>
-              <a:buNone/>
-              <a:defRPr sz="2400"/>
-            </a:lvl7pPr>
-            <a:lvl8pPr lvl="7">
-              <a:spcBef>
-                <a:spcPts val="0"/>
-              </a:spcBef>
-              <a:spcAft>
-                <a:spcPts val="0"/>
-              </a:spcAft>
-              <a:buSzPts val="2400"/>
-              <a:buNone/>
-              <a:defRPr sz="2400"/>
-            </a:lvl8pPr>
-            <a:lvl9pPr lvl="8">
-              <a:spcBef>
-                <a:spcPts val="0"/>
-              </a:spcBef>
-              <a:spcAft>
-                <a:spcPts val="0"/>
-              </a:spcAft>
-              <a:buSzPts val="2400"/>
-              <a:buNone/>
-              <a:defRPr sz="2400"/>
-            </a:lvl9pPr>
-          </a:lstStyle>
-          <a:p>
-            <a:endParaRPr/>
-          </a:p>
-        </p:txBody>
-      </p:sp>
-      <p:sp>
-        <p:nvSpPr>
-          <p:cNvPr id="36" name="Google Shape;36;p7"/>
-          <p:cNvSpPr txBox="1">
-            <a:spLocks noGrp="1"/>
-          </p:cNvSpPr>
-          <p:nvPr>
-            <p:ph type="body" idx="1"/>
-          </p:nvPr>
-        </p:nvSpPr>
-        <p:spPr>
-          <a:xfrm>
-            <a:off x="311700" y="1618204"/>
-            <a:ext cx="2808000" cy="2950800"/>
-          </a:xfrm>
-          <a:prstGeom prst="rect">
-            <a:avLst/>
-          </a:prstGeom>
-        </p:spPr>
-        <p:txBody>
-          <a:bodyPr spcFirstLastPara="1" wrap="square" lIns="91425" tIns="91425" rIns="91425" bIns="91425" anchor="t" anchorCtr="0">
-            <a:noAutofit/>
-          </a:bodyPr>
-          <a:lstStyle>
-            <a:lvl1pPr marL="457200" lvl="0" indent="-304800">
-              <a:spcBef>
-                <a:spcPts val="0"/>
-              </a:spcBef>
-              <a:spcAft>
-                <a:spcPts val="0"/>
-              </a:spcAft>
-              <a:buSzPts val="1200"/>
-              <a:buChar char="●"/>
-              <a:defRPr sz="1200"/>
-            </a:lvl1pPr>
-            <a:lvl2pPr marL="914400" lvl="1" indent="-304800">
-              <a:spcBef>
-                <a:spcPts val="1600"/>
-              </a:spcBef>
-              <a:spcAft>
-                <a:spcPts val="0"/>
-              </a:spcAft>
-              <a:buSzPts val="1200"/>
-              <a:buChar char="○"/>
-              <a:defRPr sz="1200"/>
-            </a:lvl2pPr>
-            <a:lvl3pPr marL="1371600" lvl="2" indent="-304800">
-              <a:spcBef>
-                <a:spcPts val="1600"/>
-              </a:spcBef>
-              <a:spcAft>
-                <a:spcPts val="0"/>
-              </a:spcAft>
-              <a:buSzPts val="1200"/>
-              <a:buChar char="■"/>
-              <a:defRPr sz="1200"/>
-            </a:lvl3pPr>
-            <a:lvl4pPr marL="1828800" lvl="3" indent="-304800">
-              <a:spcBef>
-                <a:spcPts val="1600"/>
-              </a:spcBef>
-              <a:spcAft>
-                <a:spcPts val="0"/>
-              </a:spcAft>
-              <a:buSzPts val="1200"/>
-              <a:buChar char="●"/>
-              <a:defRPr sz="1200"/>
-            </a:lvl4pPr>
-            <a:lvl5pPr marL="2286000" lvl="4" indent="-304800">
-              <a:spcBef>
-                <a:spcPts val="1600"/>
-              </a:spcBef>
-              <a:spcAft>
-                <a:spcPts val="0"/>
-              </a:spcAft>
-              <a:buSzPts val="1200"/>
-              <a:buChar char="○"/>
-              <a:defRPr sz="1200"/>
-            </a:lvl5pPr>
-            <a:lvl6pPr marL="2743200" lvl="5" indent="-304800">
-              <a:spcBef>
-                <a:spcPts val="1600"/>
-              </a:spcBef>
-              <a:spcAft>
-                <a:spcPts val="0"/>
-              </a:spcAft>
-              <a:buSzPts val="1200"/>
-              <a:buChar char="■"/>
-              <a:defRPr sz="1200"/>
-            </a:lvl6pPr>
-            <a:lvl7pPr marL="3200400" lvl="6" indent="-304800">
-              <a:spcBef>
-                <a:spcPts val="1600"/>
-              </a:spcBef>
-              <a:spcAft>
-                <a:spcPts val="0"/>
-              </a:spcAft>
-              <a:buSzPts val="1200"/>
-              <a:buChar char="●"/>
-              <a:defRPr sz="1200"/>
-            </a:lvl7pPr>
-            <a:lvl8pPr marL="3657600" lvl="7" indent="-304800">
-              <a:spcBef>
-                <a:spcPts val="1600"/>
-              </a:spcBef>
-              <a:spcAft>
-                <a:spcPts val="0"/>
-              </a:spcAft>
-              <a:buSzPts val="1200"/>
-              <a:buChar char="○"/>
-              <a:defRPr sz="1200"/>
-            </a:lvl8pPr>
-            <a:lvl9pPr marL="4114800" lvl="8" indent="-304800">
-              <a:spcBef>
-                <a:spcPts val="1600"/>
-              </a:spcBef>
-              <a:spcAft>
-                <a:spcPts val="1600"/>
-              </a:spcAft>
-              <a:buSzPts val="1200"/>
-              <a:buChar char="■"/>
-              <a:defRPr sz="1200"/>
-            </a:lvl9pPr>
-          </a:lstStyle>
-          <a:p>
-            <a:endParaRPr/>
-          </a:p>
-        </p:txBody>
-      </p:sp>
-      <p:sp>
-        <p:nvSpPr>
-          <p:cNvPr id="37" name="Google Shape;37;p7"/>
-          <p:cNvSpPr txBox="1">
-            <a:spLocks noGrp="1"/>
-          </p:cNvSpPr>
-          <p:nvPr>
-            <p:ph type="sldNum" idx="12"/>
-          </p:nvPr>
-        </p:nvSpPr>
-        <p:spPr>
-          <a:xfrm>
-            <a:off x="8472458" y="4663217"/>
-            <a:ext cx="548700" cy="393600"/>
-          </a:xfrm>
-          <a:prstGeom prst="rect">
-            <a:avLst/>
-          </a:prstGeom>
-        </p:spPr>
-        <p:txBody>
-          <a:bodyPr spcFirstLastPara="1" wrap="square" lIns="91425" tIns="91425" rIns="91425" bIns="91425" anchor="ctr" anchorCtr="0">
-            <a:noAutofit/>
-          </a:bodyPr>
-          <a:lstStyle>
-            <a:lvl1pPr lvl="0">
-              <a:buNone/>
-              <a:defRPr/>
-            </a:lvl1pPr>
-            <a:lvl2pPr lvl="1">
-              <a:buNone/>
-              <a:defRPr/>
-            </a:lvl2pPr>
-            <a:lvl3pPr lvl="2">
-              <a:buNone/>
-              <a:defRPr/>
-            </a:lvl3pPr>
-            <a:lvl4pPr lvl="3">
-              <a:buNone/>
-              <a:defRPr/>
-            </a:lvl4pPr>
-            <a:lvl5pPr lvl="4">
-              <a:buNone/>
-              <a:defRPr/>
-            </a:lvl5pPr>
-            <a:lvl6pPr lvl="5">
-              <a:buNone/>
-              <a:defRPr/>
-            </a:lvl6pPr>
-            <a:lvl7pPr lvl="6">
-              <a:buNone/>
-              <a:defRPr/>
-            </a:lvl7pPr>
-            <a:lvl8pPr lvl="7">
-              <a:buNone/>
-              <a:defRPr/>
-            </a:lvl8pPr>
-            <a:lvl9pPr lvl="8">
-              <a:buNone/>
-              <a:defRPr/>
-            </a:lvl9pPr>
-          </a:lstStyle>
-          <a:p>
-            <a:pPr marL="0" lvl="0" indent="0" algn="r" rtl="0">
-              <a:spcBef>
-                <a:spcPts val="0"/>
-              </a:spcBef>
-              <a:spcAft>
-                <a:spcPts val="0"/>
-              </a:spcAft>
-              <a:buNone/>
-            </a:pPr>
-            <a:fld id="{00000000-1234-1234-1234-123412341234}" type="slidenum">
-              <a:rPr lang="es"/>
-              <a:t>‹Nº›</a:t>
-            </a:fld>
-            <a:endParaRPr/>
-          </a:p>
-        </p:txBody>
-      </p:sp>
-    </p:spTree>
-  </p:cSld>
-  <p:clrMapOvr>
-    <a:masterClrMapping/>
-  </p:clrMapOvr>
-</p:sldLayout>
-</file>
-
-<file path=ppt/slideLayouts/slideLayout7.xml><?xml version="1.0" encoding="utf-8"?>
 <p:sldLayout xmlns:a="http://schemas.openxmlformats.org/drawingml/2006/main" xmlns:r="http://schemas.openxmlformats.org/officeDocument/2006/relationships" xmlns:p="http://schemas.openxmlformats.org/presentationml/2006/main" matchingName="Main point">
   <p:cSld name="MAIN_POINT">
     <p:bg>
@@ -4733,725 +3647,7 @@
 </p:sldLayout>
 </file>
 
-<file path=ppt/slideLayouts/slideLayout8.xml><?xml version="1.0" encoding="utf-8"?>
-<p:sldLayout xmlns:a="http://schemas.openxmlformats.org/drawingml/2006/main" xmlns:r="http://schemas.openxmlformats.org/officeDocument/2006/relationships" xmlns:p="http://schemas.openxmlformats.org/presentationml/2006/main" matchingName="Section title and description">
-  <p:cSld name="SECTION_TITLE_AND_DESCRIPTION">
-    <p:bg>
-      <p:bgPr>
-        <a:solidFill>
-          <a:schemeClr val="dk1"/>
-        </a:solidFill>
-        <a:effectLst/>
-      </p:bgPr>
-    </p:bg>
-    <p:spTree>
-      <p:nvGrpSpPr>
-        <p:cNvPr id="1" name="Shape 41"/>
-        <p:cNvGrpSpPr/>
-        <p:nvPr/>
-      </p:nvGrpSpPr>
-      <p:grpSpPr>
-        <a:xfrm>
-          <a:off x="0" y="0"/>
-          <a:ext cx="0" cy="0"/>
-          <a:chOff x="0" y="0"/>
-          <a:chExt cx="0" cy="0"/>
-        </a:xfrm>
-      </p:grpSpPr>
-      <p:sp>
-        <p:nvSpPr>
-          <p:cNvPr id="42" name="Google Shape;42;p9"/>
-          <p:cNvSpPr/>
-          <p:nvPr/>
-        </p:nvSpPr>
-        <p:spPr>
-          <a:xfrm>
-            <a:off x="4572000" y="175"/>
-            <a:ext cx="4572000" cy="5143500"/>
-          </a:xfrm>
-          <a:prstGeom prst="rect">
-            <a:avLst/>
-          </a:prstGeom>
-          <a:solidFill>
-            <a:schemeClr val="lt1"/>
-          </a:solidFill>
-          <a:ln>
-            <a:noFill/>
-          </a:ln>
-        </p:spPr>
-        <p:txBody>
-          <a:bodyPr spcFirstLastPara="1" wrap="square" lIns="91425" tIns="91425" rIns="91425" bIns="91425" anchor="ctr" anchorCtr="0">
-            <a:noAutofit/>
-          </a:bodyPr>
-          <a:lstStyle/>
-          <a:p>
-            <a:pPr marL="0" lvl="0" indent="0" algn="l" rtl="0">
-              <a:spcBef>
-                <a:spcPts val="0"/>
-              </a:spcBef>
-              <a:spcAft>
-                <a:spcPts val="0"/>
-              </a:spcAft>
-              <a:buNone/>
-            </a:pPr>
-            <a:endParaRPr/>
-          </a:p>
-        </p:txBody>
-      </p:sp>
-      <p:cxnSp>
-        <p:nvCxnSpPr>
-          <p:cNvPr id="43" name="Google Shape;43;p9"/>
-          <p:cNvCxnSpPr/>
-          <p:nvPr/>
-        </p:nvCxnSpPr>
-        <p:spPr>
-          <a:xfrm>
-            <a:off x="5029675" y="4495500"/>
-            <a:ext cx="577200" cy="0"/>
-          </a:xfrm>
-          <a:prstGeom prst="straightConnector1">
-            <a:avLst/>
-          </a:prstGeom>
-          <a:noFill/>
-          <a:ln w="19050" cap="flat" cmpd="sng">
-            <a:solidFill>
-              <a:schemeClr val="dk1"/>
-            </a:solidFill>
-            <a:prstDash val="lgDash"/>
-            <a:round/>
-            <a:headEnd type="none" w="sm" len="sm"/>
-            <a:tailEnd type="none" w="sm" len="sm"/>
-          </a:ln>
-        </p:spPr>
-      </p:cxnSp>
-      <p:sp>
-        <p:nvSpPr>
-          <p:cNvPr id="44" name="Google Shape;44;p9"/>
-          <p:cNvSpPr txBox="1">
-            <a:spLocks noGrp="1"/>
-          </p:cNvSpPr>
-          <p:nvPr>
-            <p:ph type="title"/>
-          </p:nvPr>
-        </p:nvSpPr>
-        <p:spPr>
-          <a:xfrm>
-            <a:off x="265500" y="1078750"/>
-            <a:ext cx="4045200" cy="1789200"/>
-          </a:xfrm>
-          <a:prstGeom prst="rect">
-            <a:avLst/>
-          </a:prstGeom>
-        </p:spPr>
-        <p:txBody>
-          <a:bodyPr spcFirstLastPara="1" wrap="square" lIns="91425" tIns="91425" rIns="91425" bIns="91425" anchor="b" anchorCtr="0">
-            <a:noAutofit/>
-          </a:bodyPr>
-          <a:lstStyle>
-            <a:lvl1pPr lvl="0" algn="ctr">
-              <a:spcBef>
-                <a:spcPts val="0"/>
-              </a:spcBef>
-              <a:spcAft>
-                <a:spcPts val="0"/>
-              </a:spcAft>
-              <a:buClr>
-                <a:schemeClr val="lt1"/>
-              </a:buClr>
-              <a:buSzPts val="4600"/>
-              <a:buNone/>
-              <a:defRPr sz="4600">
-                <a:solidFill>
-                  <a:schemeClr val="lt1"/>
-                </a:solidFill>
-              </a:defRPr>
-            </a:lvl1pPr>
-            <a:lvl2pPr lvl="1" algn="ctr">
-              <a:spcBef>
-                <a:spcPts val="0"/>
-              </a:spcBef>
-              <a:spcAft>
-                <a:spcPts val="0"/>
-              </a:spcAft>
-              <a:buClr>
-                <a:schemeClr val="lt1"/>
-              </a:buClr>
-              <a:buSzPts val="4600"/>
-              <a:buNone/>
-              <a:defRPr sz="4600">
-                <a:solidFill>
-                  <a:schemeClr val="lt1"/>
-                </a:solidFill>
-              </a:defRPr>
-            </a:lvl2pPr>
-            <a:lvl3pPr lvl="2" algn="ctr">
-              <a:spcBef>
-                <a:spcPts val="0"/>
-              </a:spcBef>
-              <a:spcAft>
-                <a:spcPts val="0"/>
-              </a:spcAft>
-              <a:buClr>
-                <a:schemeClr val="lt1"/>
-              </a:buClr>
-              <a:buSzPts val="4600"/>
-              <a:buNone/>
-              <a:defRPr sz="4600">
-                <a:solidFill>
-                  <a:schemeClr val="lt1"/>
-                </a:solidFill>
-              </a:defRPr>
-            </a:lvl3pPr>
-            <a:lvl4pPr lvl="3" algn="ctr">
-              <a:spcBef>
-                <a:spcPts val="0"/>
-              </a:spcBef>
-              <a:spcAft>
-                <a:spcPts val="0"/>
-              </a:spcAft>
-              <a:buClr>
-                <a:schemeClr val="lt1"/>
-              </a:buClr>
-              <a:buSzPts val="4600"/>
-              <a:buNone/>
-              <a:defRPr sz="4600">
-                <a:solidFill>
-                  <a:schemeClr val="lt1"/>
-                </a:solidFill>
-              </a:defRPr>
-            </a:lvl4pPr>
-            <a:lvl5pPr lvl="4" algn="ctr">
-              <a:spcBef>
-                <a:spcPts val="0"/>
-              </a:spcBef>
-              <a:spcAft>
-                <a:spcPts val="0"/>
-              </a:spcAft>
-              <a:buClr>
-                <a:schemeClr val="lt1"/>
-              </a:buClr>
-              <a:buSzPts val="4600"/>
-              <a:buNone/>
-              <a:defRPr sz="4600">
-                <a:solidFill>
-                  <a:schemeClr val="lt1"/>
-                </a:solidFill>
-              </a:defRPr>
-            </a:lvl5pPr>
-            <a:lvl6pPr lvl="5" algn="ctr">
-              <a:spcBef>
-                <a:spcPts val="0"/>
-              </a:spcBef>
-              <a:spcAft>
-                <a:spcPts val="0"/>
-              </a:spcAft>
-              <a:buClr>
-                <a:schemeClr val="lt1"/>
-              </a:buClr>
-              <a:buSzPts val="4600"/>
-              <a:buNone/>
-              <a:defRPr sz="4600">
-                <a:solidFill>
-                  <a:schemeClr val="lt1"/>
-                </a:solidFill>
-              </a:defRPr>
-            </a:lvl6pPr>
-            <a:lvl7pPr lvl="6" algn="ctr">
-              <a:spcBef>
-                <a:spcPts val="0"/>
-              </a:spcBef>
-              <a:spcAft>
-                <a:spcPts val="0"/>
-              </a:spcAft>
-              <a:buClr>
-                <a:schemeClr val="lt1"/>
-              </a:buClr>
-              <a:buSzPts val="4600"/>
-              <a:buNone/>
-              <a:defRPr sz="4600">
-                <a:solidFill>
-                  <a:schemeClr val="lt1"/>
-                </a:solidFill>
-              </a:defRPr>
-            </a:lvl7pPr>
-            <a:lvl8pPr lvl="7" algn="ctr">
-              <a:spcBef>
-                <a:spcPts val="0"/>
-              </a:spcBef>
-              <a:spcAft>
-                <a:spcPts val="0"/>
-              </a:spcAft>
-              <a:buClr>
-                <a:schemeClr val="lt1"/>
-              </a:buClr>
-              <a:buSzPts val="4600"/>
-              <a:buNone/>
-              <a:defRPr sz="4600">
-                <a:solidFill>
-                  <a:schemeClr val="lt1"/>
-                </a:solidFill>
-              </a:defRPr>
-            </a:lvl8pPr>
-            <a:lvl9pPr lvl="8" algn="ctr">
-              <a:spcBef>
-                <a:spcPts val="0"/>
-              </a:spcBef>
-              <a:spcAft>
-                <a:spcPts val="0"/>
-              </a:spcAft>
-              <a:buClr>
-                <a:schemeClr val="lt1"/>
-              </a:buClr>
-              <a:buSzPts val="4600"/>
-              <a:buNone/>
-              <a:defRPr sz="4600">
-                <a:solidFill>
-                  <a:schemeClr val="lt1"/>
-                </a:solidFill>
-              </a:defRPr>
-            </a:lvl9pPr>
-          </a:lstStyle>
-          <a:p>
-            <a:endParaRPr/>
-          </a:p>
-        </p:txBody>
-      </p:sp>
-      <p:sp>
-        <p:nvSpPr>
-          <p:cNvPr id="45" name="Google Shape;45;p9"/>
-          <p:cNvSpPr txBox="1">
-            <a:spLocks noGrp="1"/>
-          </p:cNvSpPr>
-          <p:nvPr>
-            <p:ph type="subTitle" idx="1"/>
-          </p:nvPr>
-        </p:nvSpPr>
-        <p:spPr>
-          <a:xfrm>
-            <a:off x="265500" y="2921401"/>
-            <a:ext cx="4045200" cy="1345500"/>
-          </a:xfrm>
-          <a:prstGeom prst="rect">
-            <a:avLst/>
-          </a:prstGeom>
-        </p:spPr>
-        <p:txBody>
-          <a:bodyPr spcFirstLastPara="1" wrap="square" lIns="91425" tIns="91425" rIns="91425" bIns="91425" anchor="t" anchorCtr="0">
-            <a:noAutofit/>
-          </a:bodyPr>
-          <a:lstStyle>
-            <a:lvl1pPr lvl="0" algn="ctr">
-              <a:lnSpc>
-                <a:spcPct val="100000"/>
-              </a:lnSpc>
-              <a:spcBef>
-                <a:spcPts val="0"/>
-              </a:spcBef>
-              <a:spcAft>
-                <a:spcPts val="0"/>
-              </a:spcAft>
-              <a:buClr>
-                <a:schemeClr val="lt1"/>
-              </a:buClr>
-              <a:buSzPts val="1900"/>
-              <a:buNone/>
-              <a:defRPr sz="1900">
-                <a:solidFill>
-                  <a:schemeClr val="lt1"/>
-                </a:solidFill>
-              </a:defRPr>
-            </a:lvl1pPr>
-            <a:lvl2pPr lvl="1" algn="ctr">
-              <a:lnSpc>
-                <a:spcPct val="100000"/>
-              </a:lnSpc>
-              <a:spcBef>
-                <a:spcPts val="0"/>
-              </a:spcBef>
-              <a:spcAft>
-                <a:spcPts val="0"/>
-              </a:spcAft>
-              <a:buClr>
-                <a:schemeClr val="lt1"/>
-              </a:buClr>
-              <a:buSzPts val="1900"/>
-              <a:buNone/>
-              <a:defRPr sz="1900">
-                <a:solidFill>
-                  <a:schemeClr val="lt1"/>
-                </a:solidFill>
-              </a:defRPr>
-            </a:lvl2pPr>
-            <a:lvl3pPr lvl="2" algn="ctr">
-              <a:lnSpc>
-                <a:spcPct val="100000"/>
-              </a:lnSpc>
-              <a:spcBef>
-                <a:spcPts val="0"/>
-              </a:spcBef>
-              <a:spcAft>
-                <a:spcPts val="0"/>
-              </a:spcAft>
-              <a:buClr>
-                <a:schemeClr val="lt1"/>
-              </a:buClr>
-              <a:buSzPts val="1900"/>
-              <a:buNone/>
-              <a:defRPr sz="1900">
-                <a:solidFill>
-                  <a:schemeClr val="lt1"/>
-                </a:solidFill>
-              </a:defRPr>
-            </a:lvl3pPr>
-            <a:lvl4pPr lvl="3" algn="ctr">
-              <a:lnSpc>
-                <a:spcPct val="100000"/>
-              </a:lnSpc>
-              <a:spcBef>
-                <a:spcPts val="0"/>
-              </a:spcBef>
-              <a:spcAft>
-                <a:spcPts val="0"/>
-              </a:spcAft>
-              <a:buClr>
-                <a:schemeClr val="lt1"/>
-              </a:buClr>
-              <a:buSzPts val="1900"/>
-              <a:buNone/>
-              <a:defRPr sz="1900">
-                <a:solidFill>
-                  <a:schemeClr val="lt1"/>
-                </a:solidFill>
-              </a:defRPr>
-            </a:lvl4pPr>
-            <a:lvl5pPr lvl="4" algn="ctr">
-              <a:lnSpc>
-                <a:spcPct val="100000"/>
-              </a:lnSpc>
-              <a:spcBef>
-                <a:spcPts val="0"/>
-              </a:spcBef>
-              <a:spcAft>
-                <a:spcPts val="0"/>
-              </a:spcAft>
-              <a:buClr>
-                <a:schemeClr val="lt1"/>
-              </a:buClr>
-              <a:buSzPts val="1900"/>
-              <a:buNone/>
-              <a:defRPr sz="1900">
-                <a:solidFill>
-                  <a:schemeClr val="lt1"/>
-                </a:solidFill>
-              </a:defRPr>
-            </a:lvl5pPr>
-            <a:lvl6pPr lvl="5" algn="ctr">
-              <a:lnSpc>
-                <a:spcPct val="100000"/>
-              </a:lnSpc>
-              <a:spcBef>
-                <a:spcPts val="0"/>
-              </a:spcBef>
-              <a:spcAft>
-                <a:spcPts val="0"/>
-              </a:spcAft>
-              <a:buClr>
-                <a:schemeClr val="lt1"/>
-              </a:buClr>
-              <a:buSzPts val="1900"/>
-              <a:buNone/>
-              <a:defRPr sz="1900">
-                <a:solidFill>
-                  <a:schemeClr val="lt1"/>
-                </a:solidFill>
-              </a:defRPr>
-            </a:lvl6pPr>
-            <a:lvl7pPr lvl="6" algn="ctr">
-              <a:lnSpc>
-                <a:spcPct val="100000"/>
-              </a:lnSpc>
-              <a:spcBef>
-                <a:spcPts val="0"/>
-              </a:spcBef>
-              <a:spcAft>
-                <a:spcPts val="0"/>
-              </a:spcAft>
-              <a:buClr>
-                <a:schemeClr val="lt1"/>
-              </a:buClr>
-              <a:buSzPts val="1900"/>
-              <a:buNone/>
-              <a:defRPr sz="1900">
-                <a:solidFill>
-                  <a:schemeClr val="lt1"/>
-                </a:solidFill>
-              </a:defRPr>
-            </a:lvl7pPr>
-            <a:lvl8pPr lvl="7" algn="ctr">
-              <a:lnSpc>
-                <a:spcPct val="100000"/>
-              </a:lnSpc>
-              <a:spcBef>
-                <a:spcPts val="0"/>
-              </a:spcBef>
-              <a:spcAft>
-                <a:spcPts val="0"/>
-              </a:spcAft>
-              <a:buClr>
-                <a:schemeClr val="lt1"/>
-              </a:buClr>
-              <a:buSzPts val="1900"/>
-              <a:buNone/>
-              <a:defRPr sz="1900">
-                <a:solidFill>
-                  <a:schemeClr val="lt1"/>
-                </a:solidFill>
-              </a:defRPr>
-            </a:lvl8pPr>
-            <a:lvl9pPr lvl="8" algn="ctr">
-              <a:lnSpc>
-                <a:spcPct val="100000"/>
-              </a:lnSpc>
-              <a:spcBef>
-                <a:spcPts val="0"/>
-              </a:spcBef>
-              <a:spcAft>
-                <a:spcPts val="0"/>
-              </a:spcAft>
-              <a:buClr>
-                <a:schemeClr val="lt1"/>
-              </a:buClr>
-              <a:buSzPts val="1900"/>
-              <a:buNone/>
-              <a:defRPr sz="1900">
-                <a:solidFill>
-                  <a:schemeClr val="lt1"/>
-                </a:solidFill>
-              </a:defRPr>
-            </a:lvl9pPr>
-          </a:lstStyle>
-          <a:p>
-            <a:endParaRPr/>
-          </a:p>
-        </p:txBody>
-      </p:sp>
-      <p:sp>
-        <p:nvSpPr>
-          <p:cNvPr id="46" name="Google Shape;46;p9"/>
-          <p:cNvSpPr txBox="1">
-            <a:spLocks noGrp="1"/>
-          </p:cNvSpPr>
-          <p:nvPr>
-            <p:ph type="body" idx="2"/>
-          </p:nvPr>
-        </p:nvSpPr>
-        <p:spPr>
-          <a:xfrm>
-            <a:off x="4939500" y="724200"/>
-            <a:ext cx="3837000" cy="3695100"/>
-          </a:xfrm>
-          <a:prstGeom prst="rect">
-            <a:avLst/>
-          </a:prstGeom>
-        </p:spPr>
-        <p:txBody>
-          <a:bodyPr spcFirstLastPara="1" wrap="square" lIns="91425" tIns="91425" rIns="91425" bIns="91425" anchor="ctr" anchorCtr="0">
-            <a:noAutofit/>
-          </a:bodyPr>
-          <a:lstStyle>
-            <a:lvl1pPr marL="457200" lvl="0" indent="-342900">
-              <a:spcBef>
-                <a:spcPts val="0"/>
-              </a:spcBef>
-              <a:spcAft>
-                <a:spcPts val="0"/>
-              </a:spcAft>
-              <a:buSzPts val="1800"/>
-              <a:buChar char="●"/>
-              <a:defRPr/>
-            </a:lvl1pPr>
-            <a:lvl2pPr marL="914400" lvl="1" indent="-317500">
-              <a:spcBef>
-                <a:spcPts val="1600"/>
-              </a:spcBef>
-              <a:spcAft>
-                <a:spcPts val="0"/>
-              </a:spcAft>
-              <a:buSzPts val="1400"/>
-              <a:buChar char="○"/>
-              <a:defRPr/>
-            </a:lvl2pPr>
-            <a:lvl3pPr marL="1371600" lvl="2" indent="-317500">
-              <a:spcBef>
-                <a:spcPts val="1600"/>
-              </a:spcBef>
-              <a:spcAft>
-                <a:spcPts val="0"/>
-              </a:spcAft>
-              <a:buSzPts val="1400"/>
-              <a:buChar char="■"/>
-              <a:defRPr/>
-            </a:lvl3pPr>
-            <a:lvl4pPr marL="1828800" lvl="3" indent="-317500">
-              <a:spcBef>
-                <a:spcPts val="1600"/>
-              </a:spcBef>
-              <a:spcAft>
-                <a:spcPts val="0"/>
-              </a:spcAft>
-              <a:buSzPts val="1400"/>
-              <a:buChar char="●"/>
-              <a:defRPr/>
-            </a:lvl4pPr>
-            <a:lvl5pPr marL="2286000" lvl="4" indent="-317500">
-              <a:spcBef>
-                <a:spcPts val="1600"/>
-              </a:spcBef>
-              <a:spcAft>
-                <a:spcPts val="0"/>
-              </a:spcAft>
-              <a:buSzPts val="1400"/>
-              <a:buChar char="○"/>
-              <a:defRPr/>
-            </a:lvl5pPr>
-            <a:lvl6pPr marL="2743200" lvl="5" indent="-317500">
-              <a:spcBef>
-                <a:spcPts val="1600"/>
-              </a:spcBef>
-              <a:spcAft>
-                <a:spcPts val="0"/>
-              </a:spcAft>
-              <a:buSzPts val="1400"/>
-              <a:buChar char="■"/>
-              <a:defRPr/>
-            </a:lvl6pPr>
-            <a:lvl7pPr marL="3200400" lvl="6" indent="-317500">
-              <a:spcBef>
-                <a:spcPts val="1600"/>
-              </a:spcBef>
-              <a:spcAft>
-                <a:spcPts val="0"/>
-              </a:spcAft>
-              <a:buSzPts val="1400"/>
-              <a:buChar char="●"/>
-              <a:defRPr/>
-            </a:lvl7pPr>
-            <a:lvl8pPr marL="3657600" lvl="7" indent="-317500">
-              <a:spcBef>
-                <a:spcPts val="1600"/>
-              </a:spcBef>
-              <a:spcAft>
-                <a:spcPts val="0"/>
-              </a:spcAft>
-              <a:buSzPts val="1400"/>
-              <a:buChar char="○"/>
-              <a:defRPr/>
-            </a:lvl8pPr>
-            <a:lvl9pPr marL="4114800" lvl="8" indent="-317500">
-              <a:spcBef>
-                <a:spcPts val="1600"/>
-              </a:spcBef>
-              <a:spcAft>
-                <a:spcPts val="1600"/>
-              </a:spcAft>
-              <a:buSzPts val="1400"/>
-              <a:buChar char="■"/>
-              <a:defRPr/>
-            </a:lvl9pPr>
-          </a:lstStyle>
-          <a:p>
-            <a:endParaRPr/>
-          </a:p>
-        </p:txBody>
-      </p:sp>
-      <p:sp>
-        <p:nvSpPr>
-          <p:cNvPr id="47" name="Google Shape;47;p9"/>
-          <p:cNvSpPr txBox="1">
-            <a:spLocks noGrp="1"/>
-          </p:cNvSpPr>
-          <p:nvPr>
-            <p:ph type="sldNum" idx="12"/>
-          </p:nvPr>
-        </p:nvSpPr>
-        <p:spPr>
-          <a:xfrm>
-            <a:off x="8472458" y="4663217"/>
-            <a:ext cx="548700" cy="393600"/>
-          </a:xfrm>
-          <a:prstGeom prst="rect">
-            <a:avLst/>
-          </a:prstGeom>
-        </p:spPr>
-        <p:txBody>
-          <a:bodyPr spcFirstLastPara="1" wrap="square" lIns="91425" tIns="91425" rIns="91425" bIns="91425" anchor="ctr" anchorCtr="0">
-            <a:noAutofit/>
-          </a:bodyPr>
-          <a:lstStyle>
-            <a:lvl1pPr lvl="0">
-              <a:buNone/>
-              <a:defRPr/>
-            </a:lvl1pPr>
-            <a:lvl2pPr lvl="1">
-              <a:buNone/>
-              <a:defRPr/>
-            </a:lvl2pPr>
-            <a:lvl3pPr lvl="2">
-              <a:buNone/>
-              <a:defRPr/>
-            </a:lvl3pPr>
-            <a:lvl4pPr lvl="3">
-              <a:buNone/>
-              <a:defRPr/>
-            </a:lvl4pPr>
-            <a:lvl5pPr lvl="4">
-              <a:buNone/>
-              <a:defRPr/>
-            </a:lvl5pPr>
-            <a:lvl6pPr lvl="5">
-              <a:buNone/>
-              <a:defRPr/>
-            </a:lvl6pPr>
-            <a:lvl7pPr lvl="6">
-              <a:buNone/>
-              <a:defRPr/>
-            </a:lvl7pPr>
-            <a:lvl8pPr lvl="7">
-              <a:buNone/>
-              <a:defRPr/>
-            </a:lvl8pPr>
-            <a:lvl9pPr lvl="8">
-              <a:buNone/>
-              <a:defRPr/>
-            </a:lvl9pPr>
-          </a:lstStyle>
-          <a:p>
-            <a:pPr marL="0" lvl="0" indent="0" algn="r" rtl="0">
-              <a:spcBef>
-                <a:spcPts val="0"/>
-              </a:spcBef>
-              <a:spcAft>
-                <a:spcPts val="0"/>
-              </a:spcAft>
-              <a:buNone/>
-            </a:pPr>
-            <a:fld id="{00000000-1234-1234-1234-123412341234}" type="slidenum">
-              <a:rPr lang="es"/>
-              <a:t>‹Nº›</a:t>
-            </a:fld>
-            <a:endParaRPr/>
-          </a:p>
-        </p:txBody>
-      </p:sp>
-    </p:spTree>
-  </p:cSld>
-  <p:clrMapOvr>
-    <a:masterClrMapping/>
-  </p:clrMapOvr>
-</p:sldLayout>
-</file>
-
-<file path=ppt/slideLayouts/slideLayout9.xml><?xml version="1.0" encoding="utf-8"?>
+<file path=ppt/slideLayouts/slideLayout7.xml><?xml version="1.0" encoding="utf-8"?>
 <p:sldLayout xmlns:a="http://schemas.openxmlformats.org/drawingml/2006/main" xmlns:r="http://schemas.openxmlformats.org/officeDocument/2006/relationships" xmlns:p="http://schemas.openxmlformats.org/presentationml/2006/main" matchingName="Caption">
   <p:cSld name="CAPTION_ONLY">
     <p:spTree>
@@ -5521,6 +3717,500 @@
       <p:sp>
         <p:nvSpPr>
           <p:cNvPr id="50" name="Google Shape;50;p10"/>
+          <p:cNvSpPr txBox="1">
+            <a:spLocks noGrp="1"/>
+          </p:cNvSpPr>
+          <p:nvPr>
+            <p:ph type="sldNum" idx="12"/>
+          </p:nvPr>
+        </p:nvSpPr>
+        <p:spPr>
+          <a:xfrm>
+            <a:off x="8472458" y="4663217"/>
+            <a:ext cx="548700" cy="393600"/>
+          </a:xfrm>
+          <a:prstGeom prst="rect">
+            <a:avLst/>
+          </a:prstGeom>
+        </p:spPr>
+        <p:txBody>
+          <a:bodyPr spcFirstLastPara="1" wrap="square" lIns="91425" tIns="91425" rIns="91425" bIns="91425" anchor="ctr" anchorCtr="0">
+            <a:noAutofit/>
+          </a:bodyPr>
+          <a:lstStyle>
+            <a:lvl1pPr lvl="0">
+              <a:buNone/>
+              <a:defRPr/>
+            </a:lvl1pPr>
+            <a:lvl2pPr lvl="1">
+              <a:buNone/>
+              <a:defRPr/>
+            </a:lvl2pPr>
+            <a:lvl3pPr lvl="2">
+              <a:buNone/>
+              <a:defRPr/>
+            </a:lvl3pPr>
+            <a:lvl4pPr lvl="3">
+              <a:buNone/>
+              <a:defRPr/>
+            </a:lvl4pPr>
+            <a:lvl5pPr lvl="4">
+              <a:buNone/>
+              <a:defRPr/>
+            </a:lvl5pPr>
+            <a:lvl6pPr lvl="5">
+              <a:buNone/>
+              <a:defRPr/>
+            </a:lvl6pPr>
+            <a:lvl7pPr lvl="6">
+              <a:buNone/>
+              <a:defRPr/>
+            </a:lvl7pPr>
+            <a:lvl8pPr lvl="7">
+              <a:buNone/>
+              <a:defRPr/>
+            </a:lvl8pPr>
+            <a:lvl9pPr lvl="8">
+              <a:buNone/>
+              <a:defRPr/>
+            </a:lvl9pPr>
+          </a:lstStyle>
+          <a:p>
+            <a:pPr marL="0" lvl="0" indent="0" algn="r" rtl="0">
+              <a:spcBef>
+                <a:spcPts val="0"/>
+              </a:spcBef>
+              <a:spcAft>
+                <a:spcPts val="0"/>
+              </a:spcAft>
+              <a:buNone/>
+            </a:pPr>
+            <a:fld id="{00000000-1234-1234-1234-123412341234}" type="slidenum">
+              <a:rPr lang="es"/>
+              <a:t>‹Nº›</a:t>
+            </a:fld>
+            <a:endParaRPr/>
+          </a:p>
+        </p:txBody>
+      </p:sp>
+    </p:spTree>
+  </p:cSld>
+  <p:clrMapOvr>
+    <a:masterClrMapping/>
+  </p:clrMapOvr>
+</p:sldLayout>
+</file>
+
+<file path=ppt/slideLayouts/slideLayout8.xml><?xml version="1.0" encoding="utf-8"?>
+<p:sldLayout xmlns:a="http://schemas.openxmlformats.org/drawingml/2006/main" xmlns:r="http://schemas.openxmlformats.org/officeDocument/2006/relationships" xmlns:p="http://schemas.openxmlformats.org/presentationml/2006/main" matchingName="Big number">
+  <p:cSld name="BIG_NUMBER">
+    <p:spTree>
+      <p:nvGrpSpPr>
+        <p:cNvPr id="1" name="Shape 51"/>
+        <p:cNvGrpSpPr/>
+        <p:nvPr/>
+      </p:nvGrpSpPr>
+      <p:grpSpPr>
+        <a:xfrm>
+          <a:off x="0" y="0"/>
+          <a:ext cx="0" cy="0"/>
+          <a:chOff x="0" y="0"/>
+          <a:chExt cx="0" cy="0"/>
+        </a:xfrm>
+      </p:grpSpPr>
+      <p:cxnSp>
+        <p:nvCxnSpPr>
+          <p:cNvPr id="52" name="Google Shape;52;p11"/>
+          <p:cNvCxnSpPr/>
+          <p:nvPr/>
+        </p:nvCxnSpPr>
+        <p:spPr>
+          <a:xfrm>
+            <a:off x="413275" y="2988275"/>
+            <a:ext cx="910500" cy="0"/>
+          </a:xfrm>
+          <a:prstGeom prst="straightConnector1">
+            <a:avLst/>
+          </a:prstGeom>
+          <a:noFill/>
+          <a:ln w="28575" cap="flat" cmpd="sng">
+            <a:solidFill>
+              <a:schemeClr val="dk1"/>
+            </a:solidFill>
+            <a:prstDash val="lgDash"/>
+            <a:round/>
+            <a:headEnd type="none" w="sm" len="sm"/>
+            <a:tailEnd type="none" w="sm" len="sm"/>
+          </a:ln>
+        </p:spPr>
+      </p:cxnSp>
+      <p:sp>
+        <p:nvSpPr>
+          <p:cNvPr id="53" name="Google Shape;53;p11"/>
+          <p:cNvSpPr txBox="1">
+            <a:spLocks noGrp="1"/>
+          </p:cNvSpPr>
+          <p:nvPr>
+            <p:ph type="title" hasCustomPrompt="1"/>
+          </p:nvPr>
+        </p:nvSpPr>
+        <p:spPr>
+          <a:xfrm>
+            <a:off x="311700" y="1106125"/>
+            <a:ext cx="8520600" cy="1963500"/>
+          </a:xfrm>
+          <a:prstGeom prst="rect">
+            <a:avLst/>
+          </a:prstGeom>
+        </p:spPr>
+        <p:txBody>
+          <a:bodyPr spcFirstLastPara="1" wrap="square" lIns="91425" tIns="91425" rIns="91425" bIns="91425" anchor="b" anchorCtr="0">
+            <a:noAutofit/>
+          </a:bodyPr>
+          <a:lstStyle>
+            <a:lvl1pPr lvl="0">
+              <a:spcBef>
+                <a:spcPts val="0"/>
+              </a:spcBef>
+              <a:spcAft>
+                <a:spcPts val="0"/>
+              </a:spcAft>
+              <a:buSzPts val="12000"/>
+              <a:buNone/>
+              <a:defRPr sz="12000"/>
+            </a:lvl1pPr>
+            <a:lvl2pPr lvl="1">
+              <a:spcBef>
+                <a:spcPts val="0"/>
+              </a:spcBef>
+              <a:spcAft>
+                <a:spcPts val="0"/>
+              </a:spcAft>
+              <a:buSzPts val="12000"/>
+              <a:buNone/>
+              <a:defRPr sz="12000"/>
+            </a:lvl2pPr>
+            <a:lvl3pPr lvl="2">
+              <a:spcBef>
+                <a:spcPts val="0"/>
+              </a:spcBef>
+              <a:spcAft>
+                <a:spcPts val="0"/>
+              </a:spcAft>
+              <a:buSzPts val="12000"/>
+              <a:buNone/>
+              <a:defRPr sz="12000"/>
+            </a:lvl3pPr>
+            <a:lvl4pPr lvl="3">
+              <a:spcBef>
+                <a:spcPts val="0"/>
+              </a:spcBef>
+              <a:spcAft>
+                <a:spcPts val="0"/>
+              </a:spcAft>
+              <a:buSzPts val="12000"/>
+              <a:buNone/>
+              <a:defRPr sz="12000"/>
+            </a:lvl4pPr>
+            <a:lvl5pPr lvl="4">
+              <a:spcBef>
+                <a:spcPts val="0"/>
+              </a:spcBef>
+              <a:spcAft>
+                <a:spcPts val="0"/>
+              </a:spcAft>
+              <a:buSzPts val="12000"/>
+              <a:buNone/>
+              <a:defRPr sz="12000"/>
+            </a:lvl5pPr>
+            <a:lvl6pPr lvl="5">
+              <a:spcBef>
+                <a:spcPts val="0"/>
+              </a:spcBef>
+              <a:spcAft>
+                <a:spcPts val="0"/>
+              </a:spcAft>
+              <a:buSzPts val="12000"/>
+              <a:buNone/>
+              <a:defRPr sz="12000"/>
+            </a:lvl6pPr>
+            <a:lvl7pPr lvl="6">
+              <a:spcBef>
+                <a:spcPts val="0"/>
+              </a:spcBef>
+              <a:spcAft>
+                <a:spcPts val="0"/>
+              </a:spcAft>
+              <a:buSzPts val="12000"/>
+              <a:buNone/>
+              <a:defRPr sz="12000"/>
+            </a:lvl7pPr>
+            <a:lvl8pPr lvl="7">
+              <a:spcBef>
+                <a:spcPts val="0"/>
+              </a:spcBef>
+              <a:spcAft>
+                <a:spcPts val="0"/>
+              </a:spcAft>
+              <a:buSzPts val="12000"/>
+              <a:buNone/>
+              <a:defRPr sz="12000"/>
+            </a:lvl8pPr>
+            <a:lvl9pPr lvl="8">
+              <a:spcBef>
+                <a:spcPts val="0"/>
+              </a:spcBef>
+              <a:spcAft>
+                <a:spcPts val="0"/>
+              </a:spcAft>
+              <a:buSzPts val="12000"/>
+              <a:buNone/>
+              <a:defRPr sz="12000"/>
+            </a:lvl9pPr>
+          </a:lstStyle>
+          <a:p>
+            <a:r>
+              <a:t>xx%</a:t>
+            </a:r>
+          </a:p>
+        </p:txBody>
+      </p:sp>
+      <p:sp>
+        <p:nvSpPr>
+          <p:cNvPr id="54" name="Google Shape;54;p11"/>
+          <p:cNvSpPr txBox="1">
+            <a:spLocks noGrp="1"/>
+          </p:cNvSpPr>
+          <p:nvPr>
+            <p:ph type="body" idx="1"/>
+          </p:nvPr>
+        </p:nvSpPr>
+        <p:spPr>
+          <a:xfrm>
+            <a:off x="311700" y="3152225"/>
+            <a:ext cx="8520600" cy="1300800"/>
+          </a:xfrm>
+          <a:prstGeom prst="rect">
+            <a:avLst/>
+          </a:prstGeom>
+        </p:spPr>
+        <p:txBody>
+          <a:bodyPr spcFirstLastPara="1" wrap="square" lIns="91425" tIns="91425" rIns="91425" bIns="91425" anchor="t" anchorCtr="0">
+            <a:noAutofit/>
+          </a:bodyPr>
+          <a:lstStyle>
+            <a:lvl1pPr marL="457200" lvl="0" indent="-342900">
+              <a:spcBef>
+                <a:spcPts val="0"/>
+              </a:spcBef>
+              <a:spcAft>
+                <a:spcPts val="0"/>
+              </a:spcAft>
+              <a:buSzPts val="1800"/>
+              <a:buChar char="●"/>
+              <a:defRPr/>
+            </a:lvl1pPr>
+            <a:lvl2pPr marL="914400" lvl="1" indent="-317500">
+              <a:spcBef>
+                <a:spcPts val="1600"/>
+              </a:spcBef>
+              <a:spcAft>
+                <a:spcPts val="0"/>
+              </a:spcAft>
+              <a:buSzPts val="1400"/>
+              <a:buChar char="○"/>
+              <a:defRPr/>
+            </a:lvl2pPr>
+            <a:lvl3pPr marL="1371600" lvl="2" indent="-317500">
+              <a:spcBef>
+                <a:spcPts val="1600"/>
+              </a:spcBef>
+              <a:spcAft>
+                <a:spcPts val="0"/>
+              </a:spcAft>
+              <a:buSzPts val="1400"/>
+              <a:buChar char="■"/>
+              <a:defRPr/>
+            </a:lvl3pPr>
+            <a:lvl4pPr marL="1828800" lvl="3" indent="-317500">
+              <a:spcBef>
+                <a:spcPts val="1600"/>
+              </a:spcBef>
+              <a:spcAft>
+                <a:spcPts val="0"/>
+              </a:spcAft>
+              <a:buSzPts val="1400"/>
+              <a:buChar char="●"/>
+              <a:defRPr/>
+            </a:lvl4pPr>
+            <a:lvl5pPr marL="2286000" lvl="4" indent="-317500">
+              <a:spcBef>
+                <a:spcPts val="1600"/>
+              </a:spcBef>
+              <a:spcAft>
+                <a:spcPts val="0"/>
+              </a:spcAft>
+              <a:buSzPts val="1400"/>
+              <a:buChar char="○"/>
+              <a:defRPr/>
+            </a:lvl5pPr>
+            <a:lvl6pPr marL="2743200" lvl="5" indent="-317500">
+              <a:spcBef>
+                <a:spcPts val="1600"/>
+              </a:spcBef>
+              <a:spcAft>
+                <a:spcPts val="0"/>
+              </a:spcAft>
+              <a:buSzPts val="1400"/>
+              <a:buChar char="■"/>
+              <a:defRPr/>
+            </a:lvl6pPr>
+            <a:lvl7pPr marL="3200400" lvl="6" indent="-317500">
+              <a:spcBef>
+                <a:spcPts val="1600"/>
+              </a:spcBef>
+              <a:spcAft>
+                <a:spcPts val="0"/>
+              </a:spcAft>
+              <a:buSzPts val="1400"/>
+              <a:buChar char="●"/>
+              <a:defRPr/>
+            </a:lvl7pPr>
+            <a:lvl8pPr marL="3657600" lvl="7" indent="-317500">
+              <a:spcBef>
+                <a:spcPts val="1600"/>
+              </a:spcBef>
+              <a:spcAft>
+                <a:spcPts val="0"/>
+              </a:spcAft>
+              <a:buSzPts val="1400"/>
+              <a:buChar char="○"/>
+              <a:defRPr/>
+            </a:lvl8pPr>
+            <a:lvl9pPr marL="4114800" lvl="8" indent="-317500">
+              <a:spcBef>
+                <a:spcPts val="1600"/>
+              </a:spcBef>
+              <a:spcAft>
+                <a:spcPts val="1600"/>
+              </a:spcAft>
+              <a:buSzPts val="1400"/>
+              <a:buChar char="■"/>
+              <a:defRPr/>
+            </a:lvl9pPr>
+          </a:lstStyle>
+          <a:p>
+            <a:endParaRPr/>
+          </a:p>
+        </p:txBody>
+      </p:sp>
+      <p:sp>
+        <p:nvSpPr>
+          <p:cNvPr id="55" name="Google Shape;55;p11"/>
+          <p:cNvSpPr txBox="1">
+            <a:spLocks noGrp="1"/>
+          </p:cNvSpPr>
+          <p:nvPr>
+            <p:ph type="sldNum" idx="12"/>
+          </p:nvPr>
+        </p:nvSpPr>
+        <p:spPr>
+          <a:xfrm>
+            <a:off x="8472458" y="4663217"/>
+            <a:ext cx="548700" cy="393600"/>
+          </a:xfrm>
+          <a:prstGeom prst="rect">
+            <a:avLst/>
+          </a:prstGeom>
+        </p:spPr>
+        <p:txBody>
+          <a:bodyPr spcFirstLastPara="1" wrap="square" lIns="91425" tIns="91425" rIns="91425" bIns="91425" anchor="ctr" anchorCtr="0">
+            <a:noAutofit/>
+          </a:bodyPr>
+          <a:lstStyle>
+            <a:lvl1pPr lvl="0">
+              <a:buNone/>
+              <a:defRPr/>
+            </a:lvl1pPr>
+            <a:lvl2pPr lvl="1">
+              <a:buNone/>
+              <a:defRPr/>
+            </a:lvl2pPr>
+            <a:lvl3pPr lvl="2">
+              <a:buNone/>
+              <a:defRPr/>
+            </a:lvl3pPr>
+            <a:lvl4pPr lvl="3">
+              <a:buNone/>
+              <a:defRPr/>
+            </a:lvl4pPr>
+            <a:lvl5pPr lvl="4">
+              <a:buNone/>
+              <a:defRPr/>
+            </a:lvl5pPr>
+            <a:lvl6pPr lvl="5">
+              <a:buNone/>
+              <a:defRPr/>
+            </a:lvl6pPr>
+            <a:lvl7pPr lvl="6">
+              <a:buNone/>
+              <a:defRPr/>
+            </a:lvl7pPr>
+            <a:lvl8pPr lvl="7">
+              <a:buNone/>
+              <a:defRPr/>
+            </a:lvl8pPr>
+            <a:lvl9pPr lvl="8">
+              <a:buNone/>
+              <a:defRPr/>
+            </a:lvl9pPr>
+          </a:lstStyle>
+          <a:p>
+            <a:pPr marL="0" lvl="0" indent="0" algn="r" rtl="0">
+              <a:spcBef>
+                <a:spcPts val="0"/>
+              </a:spcBef>
+              <a:spcAft>
+                <a:spcPts val="0"/>
+              </a:spcAft>
+              <a:buNone/>
+            </a:pPr>
+            <a:fld id="{00000000-1234-1234-1234-123412341234}" type="slidenum">
+              <a:rPr lang="es"/>
+              <a:t>‹Nº›</a:t>
+            </a:fld>
+            <a:endParaRPr/>
+          </a:p>
+        </p:txBody>
+      </p:sp>
+    </p:spTree>
+  </p:cSld>
+  <p:clrMapOvr>
+    <a:masterClrMapping/>
+  </p:clrMapOvr>
+</p:sldLayout>
+</file>
+
+<file path=ppt/slideLayouts/slideLayout9.xml><?xml version="1.0" encoding="utf-8"?>
+<p:sldLayout xmlns:a="http://schemas.openxmlformats.org/drawingml/2006/main" xmlns:r="http://schemas.openxmlformats.org/officeDocument/2006/relationships" xmlns:p="http://schemas.openxmlformats.org/presentationml/2006/main" matchingName="Blank" type="blank">
+  <p:cSld name="BLANK">
+    <p:spTree>
+      <p:nvGrpSpPr>
+        <p:cNvPr id="1" name="Shape 56"/>
+        <p:cNvGrpSpPr/>
+        <p:nvPr/>
+      </p:nvGrpSpPr>
+      <p:grpSpPr>
+        <a:xfrm>
+          <a:off x="0" y="0"/>
+          <a:ext cx="0" cy="0"/>
+          <a:chOff x="0" y="0"/>
+          <a:chExt cx="0" cy="0"/>
+        </a:xfrm>
+      </p:grpSpPr>
+      <p:sp>
+        <p:nvSpPr>
+          <p:cNvPr id="57" name="Google Shape;57;p12"/>
           <p:cNvSpPr txBox="1">
             <a:spLocks noGrp="1"/>
           </p:cNvSpPr>
@@ -6303,12 +4993,10 @@
     <p:sldLayoutId id="2147483650" r:id="rId3"/>
     <p:sldLayoutId id="2147483651" r:id="rId4"/>
     <p:sldLayoutId id="2147483652" r:id="rId5"/>
-    <p:sldLayoutId id="2147483653" r:id="rId6"/>
-    <p:sldLayoutId id="2147483654" r:id="rId7"/>
-    <p:sldLayoutId id="2147483655" r:id="rId8"/>
-    <p:sldLayoutId id="2147483656" r:id="rId9"/>
-    <p:sldLayoutId id="2147483657" r:id="rId10"/>
-    <p:sldLayoutId id="2147483658" r:id="rId11"/>
+    <p:sldLayoutId id="2147483654" r:id="rId6"/>
+    <p:sldLayoutId id="2147483656" r:id="rId7"/>
+    <p:sldLayoutId id="2147483657" r:id="rId8"/>
+    <p:sldLayoutId id="2147483658" r:id="rId9"/>
   </p:sldLayoutIdLst>
   <p:hf sldNum="0" hdr="0" ftr="0" dt="0"/>
   <p:txStyles>
@@ -7032,8 +5720,8 @@
         </p:nvSpPr>
         <p:spPr>
           <a:xfrm>
-            <a:off x="411175" y="644300"/>
-            <a:ext cx="8282400" cy="2109000"/>
+            <a:off x="430800" y="1424762"/>
+            <a:ext cx="8282400" cy="1434863"/>
           </a:xfrm>
           <a:prstGeom prst="rect">
             <a:avLst/>
@@ -7055,10 +5743,10 @@
               <a:buNone/>
             </a:pPr>
             <a:r>
-              <a:rPr lang="es"/>
+              <a:rPr lang="es" dirty="0"/>
               <a:t>Memory</a:t>
             </a:r>
-            <a:endParaRPr/>
+            <a:endParaRPr dirty="0"/>
           </a:p>
         </p:txBody>
       </p:sp>
@@ -7074,7 +5762,7 @@
         </p:nvSpPr>
         <p:spPr>
           <a:xfrm>
-            <a:off x="411175" y="3398250"/>
+            <a:off x="430800" y="3268869"/>
             <a:ext cx="8282400" cy="1260600"/>
           </a:xfrm>
           <a:prstGeom prst="rect">
@@ -7097,10 +5785,47 @@
               <a:buNone/>
             </a:pPr>
             <a:r>
-              <a:rPr lang="es"/>
+              <a:rPr lang="es" dirty="0"/>
               <a:t>Proyecto intermodular</a:t>
             </a:r>
-            <a:endParaRPr/>
+            <a:endParaRPr dirty="0"/>
+          </a:p>
+        </p:txBody>
+      </p:sp>
+      <p:sp>
+        <p:nvSpPr>
+          <p:cNvPr id="2" name="CuadroTexto 1">
+            <a:extLst>
+              <a:ext uri="{FF2B5EF4-FFF2-40B4-BE49-F238E27FC236}">
+                <a16:creationId xmlns:a16="http://schemas.microsoft.com/office/drawing/2014/main" id="{1DDBAF60-D3EF-493D-A14E-ECFC913A6954}"/>
+              </a:ext>
+            </a:extLst>
+          </p:cNvPr>
+          <p:cNvSpPr txBox="1"/>
+          <p:nvPr/>
+        </p:nvSpPr>
+        <p:spPr>
+          <a:xfrm>
+            <a:off x="6194154" y="4529469"/>
+            <a:ext cx="2949846" cy="461665"/>
+          </a:xfrm>
+          <a:prstGeom prst="rect">
+            <a:avLst/>
+          </a:prstGeom>
+          <a:noFill/>
+        </p:spPr>
+        <p:txBody>
+          <a:bodyPr wrap="none" rtlCol="0">
+            <a:spAutoFit/>
+          </a:bodyPr>
+          <a:lstStyle/>
+          <a:p>
+            <a:r>
+              <a:rPr lang="es-ES" sz="2400" dirty="0">
+                <a:latin typeface="Bahnschrift SemiBold" panose="020B0502040204020203" pitchFamily="34" charset="0"/>
+              </a:rPr>
+              <a:t>Josué, Ronny y Dani</a:t>
+            </a:r>
           </a:p>
         </p:txBody>
       </p:sp>
@@ -7113,186 +5838,6 @@
 </file>
 
 <file path=ppt/slides/slide2.xml><?xml version="1.0" encoding="utf-8"?>
-<p:sld xmlns:a="http://schemas.openxmlformats.org/drawingml/2006/main" xmlns:r="http://schemas.openxmlformats.org/officeDocument/2006/relationships" xmlns:p="http://schemas.openxmlformats.org/presentationml/2006/main">
-  <p:cSld>
-    <p:spTree>
-      <p:nvGrpSpPr>
-        <p:cNvPr id="1" name="Shape 67"/>
-        <p:cNvGrpSpPr/>
-        <p:nvPr/>
-      </p:nvGrpSpPr>
-      <p:grpSpPr>
-        <a:xfrm>
-          <a:off x="0" y="0"/>
-          <a:ext cx="0" cy="0"/>
-          <a:chOff x="0" y="0"/>
-          <a:chExt cx="0" cy="0"/>
-        </a:xfrm>
-      </p:grpSpPr>
-      <p:sp>
-        <p:nvSpPr>
-          <p:cNvPr id="68" name="Google Shape;68;p14"/>
-          <p:cNvSpPr txBox="1">
-            <a:spLocks noGrp="1"/>
-          </p:cNvSpPr>
-          <p:nvPr>
-            <p:ph type="title"/>
-          </p:nvPr>
-        </p:nvSpPr>
-        <p:spPr>
-          <a:xfrm>
-            <a:off x="265500" y="1816950"/>
-            <a:ext cx="4045200" cy="1509600"/>
-          </a:xfrm>
-          <a:prstGeom prst="rect">
-            <a:avLst/>
-          </a:prstGeom>
-        </p:spPr>
-        <p:txBody>
-          <a:bodyPr spcFirstLastPara="1" wrap="square" lIns="91425" tIns="91425" rIns="91425" bIns="91425" anchor="ctr" anchorCtr="0">
-            <a:noAutofit/>
-          </a:bodyPr>
-          <a:lstStyle/>
-          <a:p>
-            <a:pPr marL="0" lvl="0" indent="0" algn="ctr" rtl="0">
-              <a:spcBef>
-                <a:spcPts val="0"/>
-              </a:spcBef>
-              <a:spcAft>
-                <a:spcPts val="0"/>
-              </a:spcAft>
-              <a:buNone/>
-            </a:pPr>
-            <a:r>
-              <a:rPr lang="es"/>
-              <a:t>Integrantes</a:t>
-            </a:r>
-            <a:endParaRPr/>
-          </a:p>
-        </p:txBody>
-      </p:sp>
-      <p:sp>
-        <p:nvSpPr>
-          <p:cNvPr id="69" name="Google Shape;69;p14"/>
-          <p:cNvSpPr txBox="1">
-            <a:spLocks noGrp="1"/>
-          </p:cNvSpPr>
-          <p:nvPr>
-            <p:ph type="body" idx="2"/>
-          </p:nvPr>
-        </p:nvSpPr>
-        <p:spPr>
-          <a:xfrm>
-            <a:off x="4939500" y="724200"/>
-            <a:ext cx="3721800" cy="3695100"/>
-          </a:xfrm>
-          <a:prstGeom prst="rect">
-            <a:avLst/>
-          </a:prstGeom>
-        </p:spPr>
-        <p:txBody>
-          <a:bodyPr spcFirstLastPara="1" wrap="square" lIns="91425" tIns="91425" rIns="91425" bIns="91425" anchor="ctr" anchorCtr="0">
-            <a:noAutofit/>
-          </a:bodyPr>
-          <a:lstStyle/>
-          <a:p>
-            <a:pPr marL="457200" lvl="0" indent="-342900" algn="l" rtl="0">
-              <a:spcBef>
-                <a:spcPts val="0"/>
-              </a:spcBef>
-              <a:spcAft>
-                <a:spcPts val="0"/>
-              </a:spcAft>
-              <a:buSzPts val="1800"/>
-              <a:buChar char="➢"/>
-            </a:pPr>
-            <a:r>
-              <a:rPr lang="es" b="1"/>
-              <a:t>Josué</a:t>
-            </a:r>
-            <a:endParaRPr b="1"/>
-          </a:p>
-          <a:p>
-            <a:pPr marL="457200" lvl="0" indent="0" algn="l" rtl="0">
-              <a:spcBef>
-                <a:spcPts val="0"/>
-              </a:spcBef>
-              <a:spcAft>
-                <a:spcPts val="0"/>
-              </a:spcAft>
-              <a:buNone/>
-            </a:pPr>
-            <a:endParaRPr sz="1500"/>
-          </a:p>
-          <a:p>
-            <a:pPr marL="457200" lvl="0" indent="-342900" algn="l" rtl="0">
-              <a:spcBef>
-                <a:spcPts val="1600"/>
-              </a:spcBef>
-              <a:spcAft>
-                <a:spcPts val="0"/>
-              </a:spcAft>
-              <a:buSzPts val="1800"/>
-              <a:buChar char="➢"/>
-            </a:pPr>
-            <a:r>
-              <a:rPr lang="es" b="1"/>
-              <a:t>Ronny</a:t>
-            </a:r>
-            <a:endParaRPr b="1"/>
-          </a:p>
-          <a:p>
-            <a:pPr marL="457200" lvl="0" indent="0" algn="l" rtl="0">
-              <a:spcBef>
-                <a:spcPts val="0"/>
-              </a:spcBef>
-              <a:spcAft>
-                <a:spcPts val="0"/>
-              </a:spcAft>
-              <a:buNone/>
-            </a:pPr>
-            <a:endParaRPr sz="1500"/>
-          </a:p>
-          <a:p>
-            <a:pPr marL="457200" lvl="0" indent="-342900" algn="l" rtl="0">
-              <a:spcBef>
-                <a:spcPts val="1600"/>
-              </a:spcBef>
-              <a:spcAft>
-                <a:spcPts val="0"/>
-              </a:spcAft>
-              <a:buSzPts val="1800"/>
-              <a:buChar char="➢"/>
-            </a:pPr>
-            <a:r>
-              <a:rPr lang="es" b="1"/>
-              <a:t>Dani</a:t>
-            </a:r>
-            <a:endParaRPr b="1"/>
-          </a:p>
-          <a:p>
-            <a:pPr marL="0" lvl="0" indent="0" algn="l" rtl="0">
-              <a:spcBef>
-                <a:spcPts val="0"/>
-              </a:spcBef>
-              <a:spcAft>
-                <a:spcPts val="1600"/>
-              </a:spcAft>
-              <a:buNone/>
-            </a:pPr>
-            <a:endParaRPr sz="1500"/>
-          </a:p>
-        </p:txBody>
-      </p:sp>
-    </p:spTree>
-  </p:cSld>
-  <p:clrMapOvr>
-    <a:masterClrMapping/>
-  </p:clrMapOvr>
-</p:sld>
-</file>
-
-<file path=ppt/slides/slide3.xml><?xml version="1.0" encoding="utf-8"?>
 <p:sld xmlns:a="http://schemas.openxmlformats.org/drawingml/2006/main" xmlns:r="http://schemas.openxmlformats.org/officeDocument/2006/relationships" xmlns:p="http://schemas.openxmlformats.org/presentationml/2006/main">
   <p:cSld>
     <p:spTree>
@@ -7390,10 +5935,10 @@
               <a:buChar char="❖"/>
             </a:pPr>
             <a:r>
-              <a:rPr lang="es" sz="1500"/>
+              <a:rPr lang="es" sz="1500" dirty="0"/>
               <a:t>El juego empieza con las cartas boca abajo.</a:t>
             </a:r>
-            <a:endParaRPr sz="1500"/>
+            <a:endParaRPr sz="1500" dirty="0"/>
           </a:p>
           <a:p>
             <a:pPr marL="457200" lvl="0" indent="-323850" algn="l" rtl="0">
@@ -7410,10 +5955,10 @@
               <a:buChar char="❖"/>
             </a:pPr>
             <a:r>
-              <a:rPr lang="es" sz="1500"/>
+              <a:rPr lang="es" sz="1500" dirty="0"/>
               <a:t>El jugador deberá girar dos cartas aleatorias.</a:t>
             </a:r>
-            <a:endParaRPr sz="1500"/>
+            <a:endParaRPr sz="1500" dirty="0"/>
           </a:p>
           <a:p>
             <a:pPr marL="457200" lvl="0" indent="-323850" algn="l" rtl="0">
@@ -7430,10 +5975,10 @@
               <a:buChar char="❖"/>
             </a:pPr>
             <a:r>
-              <a:rPr lang="es" sz="1500"/>
+              <a:rPr lang="es" sz="1500" dirty="0"/>
               <a:t>Si las dos cartas son iguales desaparecerá.</a:t>
             </a:r>
-            <a:endParaRPr sz="1500"/>
+            <a:endParaRPr sz="1500" dirty="0"/>
           </a:p>
           <a:p>
             <a:pPr marL="457200" lvl="0" indent="-323850" algn="l" rtl="0">
@@ -7450,10 +5995,10 @@
               <a:buChar char="❖"/>
             </a:pPr>
             <a:r>
-              <a:rPr lang="es" sz="1500"/>
+              <a:rPr lang="es" sz="1500" dirty="0"/>
               <a:t>De lo contrario se girarán automáticamente a su posición inicial.</a:t>
             </a:r>
-            <a:endParaRPr sz="1500"/>
+            <a:endParaRPr sz="1500" dirty="0"/>
           </a:p>
           <a:p>
             <a:pPr marL="457200" lvl="0" indent="-323850" algn="l" rtl="0">
@@ -7470,10 +6015,10 @@
               <a:buChar char="❖"/>
             </a:pPr>
             <a:r>
-              <a:rPr lang="es" sz="1500"/>
+              <a:rPr lang="es" sz="1500" dirty="0"/>
               <a:t>El juego acaba cuando se aciertan todas las parejas.</a:t>
             </a:r>
-            <a:endParaRPr sz="1500"/>
+            <a:endParaRPr sz="1500" dirty="0"/>
           </a:p>
           <a:p>
             <a:pPr marL="457200" lvl="0" indent="-323850" algn="l" rtl="0">
@@ -7490,10 +6035,29 @@
               <a:buChar char="❖"/>
             </a:pPr>
             <a:r>
-              <a:rPr lang="es" sz="1500"/>
+              <a:rPr lang="es" sz="1500" dirty="0"/>
               <a:t>Si se acierta en el menor tiempo posible, sumará más puntos que después quedarán registrados en un ranking.</a:t>
             </a:r>
-            <a:endParaRPr sz="1500"/>
+          </a:p>
+          <a:p>
+            <a:pPr marL="457200" lvl="0" indent="-323850" algn="l" rtl="0">
+              <a:lnSpc>
+                <a:spcPct val="150000"/>
+              </a:lnSpc>
+              <a:spcBef>
+                <a:spcPts val="0"/>
+              </a:spcBef>
+              <a:spcAft>
+                <a:spcPts val="0"/>
+              </a:spcAft>
+              <a:buSzPts val="1500"/>
+              <a:buChar char="❖"/>
+            </a:pPr>
+            <a:r>
+              <a:rPr lang="es" sz="1500" dirty="0"/>
+              <a:t>El juego está preparado para visualizarlo tanto en inglés como en español.</a:t>
+            </a:r>
+            <a:endParaRPr sz="1500" dirty="0"/>
           </a:p>
           <a:p>
             <a:pPr marL="0" lvl="0" indent="0" algn="l" rtl="0">
@@ -7505,7 +6069,7 @@
               </a:spcAft>
               <a:buNone/>
             </a:pPr>
-            <a:endParaRPr/>
+            <a:endParaRPr dirty="0"/>
           </a:p>
         </p:txBody>
       </p:sp>
@@ -7517,7 +6081,7 @@
 </p:sld>
 </file>
 
-<file path=ppt/slides/slide4.xml><?xml version="1.0" encoding="utf-8"?>
+<file path=ppt/slides/slide3.xml><?xml version="1.0" encoding="utf-8"?>
 <p:sld xmlns:a="http://schemas.openxmlformats.org/drawingml/2006/main" xmlns:r="http://schemas.openxmlformats.org/officeDocument/2006/relationships" xmlns:p="http://schemas.openxmlformats.org/presentationml/2006/main">
   <p:cSld>
     <p:spTree>
@@ -7612,7 +6176,7 @@
 </p:sld>
 </file>
 
-<file path=ppt/slides/slide5.xml><?xml version="1.0" encoding="utf-8"?>
+<file path=ppt/slides/slide4.xml><?xml version="1.0" encoding="utf-8"?>
 <p:sld xmlns:a="http://schemas.openxmlformats.org/drawingml/2006/main" xmlns:r="http://schemas.openxmlformats.org/officeDocument/2006/relationships" xmlns:p="http://schemas.openxmlformats.org/presentationml/2006/main">
   <p:cSld>
     <p:bg>
@@ -7742,7 +6306,7 @@
 </p:sld>
 </file>
 
-<file path=ppt/slides/slide6.xml><?xml version="1.0" encoding="utf-8"?>
+<file path=ppt/slides/slide5.xml><?xml version="1.0" encoding="utf-8"?>
 <p:sld xmlns:a="http://schemas.openxmlformats.org/drawingml/2006/main" xmlns:r="http://schemas.openxmlformats.org/officeDocument/2006/relationships" xmlns:p="http://schemas.openxmlformats.org/presentationml/2006/main">
   <p:cSld>
     <p:spTree>
@@ -8227,12 +6791,12 @@
 </p:sld>
 </file>
 
-<file path=ppt/slides/slide7.xml><?xml version="1.0" encoding="utf-8"?>
+<file path=ppt/slides/slide6.xml><?xml version="1.0" encoding="utf-8"?>
 <p:sld xmlns:a="http://schemas.openxmlformats.org/drawingml/2006/main" xmlns:r="http://schemas.openxmlformats.org/officeDocument/2006/relationships" xmlns:p="http://schemas.openxmlformats.org/presentationml/2006/main">
   <p:cSld>
     <p:spTree>
       <p:nvGrpSpPr>
-        <p:cNvPr id="1" name="Shape 105"/>
+        <p:cNvPr id="1" name=""/>
         <p:cNvGrpSpPr/>
         <p:nvPr/>
       </p:nvGrpSpPr>
@@ -8244,235 +6808,224 @@
           <a:chExt cx="0" cy="0"/>
         </a:xfrm>
       </p:grpSpPr>
+      <p:sp>
+        <p:nvSpPr>
+          <p:cNvPr id="2" name="Título 1">
+            <a:extLst>
+              <a:ext uri="{FF2B5EF4-FFF2-40B4-BE49-F238E27FC236}">
+                <a16:creationId xmlns:a16="http://schemas.microsoft.com/office/drawing/2014/main" id="{A5F33D6E-E977-45AA-BFC7-00D1BEE04DE1}"/>
+              </a:ext>
+            </a:extLst>
+          </p:cNvPr>
+          <p:cNvSpPr>
+            <a:spLocks noGrp="1"/>
+          </p:cNvSpPr>
+          <p:nvPr>
+            <p:ph type="title"/>
+          </p:nvPr>
+        </p:nvSpPr>
+        <p:spPr/>
+        <p:txBody>
+          <a:bodyPr/>
+          <a:lstStyle/>
+          <a:p>
+            <a:r>
+              <a:rPr lang="es-ES" dirty="0"/>
+              <a:t>Mongodb Atlas + Heroku</a:t>
+            </a:r>
+          </a:p>
+        </p:txBody>
+      </p:sp>
       <p:pic>
         <p:nvPicPr>
-          <p:cNvPr id="106" name="Google Shape;106;p19"/>
-          <p:cNvPicPr preferRelativeResize="0"/>
+          <p:cNvPr id="7" name="Imagen 6">
+            <a:extLst>
+              <a:ext uri="{FF2B5EF4-FFF2-40B4-BE49-F238E27FC236}">
+                <a16:creationId xmlns:a16="http://schemas.microsoft.com/office/drawing/2014/main" id="{57EEC2D0-8315-4EC7-9558-F99DFB1DB81B}"/>
+              </a:ext>
+            </a:extLst>
+          </p:cNvPr>
+          <p:cNvPicPr>
+            <a:picLocks noChangeAspect="1"/>
+          </p:cNvPicPr>
           <p:nvPr/>
         </p:nvPicPr>
         <p:blipFill>
-          <a:blip r:embed="rId3">
-            <a:alphaModFix/>
-          </a:blip>
+          <a:blip r:embed="rId2"/>
           <a:stretch>
             <a:fillRect/>
           </a:stretch>
         </p:blipFill>
         <p:spPr>
           <a:xfrm>
-            <a:off x="392600" y="419950"/>
-            <a:ext cx="4733925" cy="1819275"/>
+            <a:off x="311700" y="1106000"/>
+            <a:ext cx="6491348" cy="2684444"/>
           </a:xfrm>
-          <a:prstGeom prst="rect">
-            <a:avLst/>
+          <a:prstGeom prst="roundRect">
+            <a:avLst>
+              <a:gd name="adj" fmla="val 8594"/>
+            </a:avLst>
           </a:prstGeom>
-          <a:noFill/>
+          <a:solidFill>
+            <a:srgbClr val="FFFFFF">
+              <a:shade val="85000"/>
+            </a:srgbClr>
+          </a:solidFill>
           <a:ln>
             <a:noFill/>
           </a:ln>
+          <a:effectLst>
+            <a:reflection blurRad="12700" stA="38000" endPos="28000" dist="5000" dir="5400000" sy="-100000" algn="bl" rotWithShape="0"/>
+          </a:effectLst>
         </p:spPr>
       </p:pic>
       <p:pic>
         <p:nvPicPr>
-          <p:cNvPr id="107" name="Google Shape;107;p19"/>
-          <p:cNvPicPr preferRelativeResize="0"/>
+          <p:cNvPr id="5" name="Imagen 4">
+            <a:extLst>
+              <a:ext uri="{FF2B5EF4-FFF2-40B4-BE49-F238E27FC236}">
+                <a16:creationId xmlns:a16="http://schemas.microsoft.com/office/drawing/2014/main" id="{4F68BC6E-2182-487D-AAA6-11767F1076F6}"/>
+              </a:ext>
+            </a:extLst>
+          </p:cNvPr>
+          <p:cNvPicPr>
+            <a:picLocks noChangeAspect="1"/>
+          </p:cNvPicPr>
           <p:nvPr/>
         </p:nvPicPr>
         <p:blipFill>
-          <a:blip r:embed="rId4">
-            <a:alphaModFix/>
-          </a:blip>
+          <a:blip r:embed="rId3"/>
           <a:stretch>
             <a:fillRect/>
           </a:stretch>
         </p:blipFill>
         <p:spPr>
           <a:xfrm>
-            <a:off x="689750" y="2851100"/>
-            <a:ext cx="2082450" cy="1316050"/>
+            <a:off x="4125235" y="2153673"/>
+            <a:ext cx="4572396" cy="1883827"/>
           </a:xfrm>
-          <a:prstGeom prst="rect">
-            <a:avLst/>
+          <a:prstGeom prst="roundRect">
+            <a:avLst>
+              <a:gd name="adj" fmla="val 8594"/>
+            </a:avLst>
           </a:prstGeom>
-          <a:noFill/>
+          <a:solidFill>
+            <a:srgbClr val="FFFFFF">
+              <a:shade val="85000"/>
+            </a:srgbClr>
+          </a:solidFill>
           <a:ln>
             <a:noFill/>
           </a:ln>
+          <a:effectLst>
+            <a:reflection blurRad="12700" stA="38000" endPos="28000" dist="5000" dir="5400000" sy="-100000" algn="bl" rotWithShape="0"/>
+          </a:effectLst>
         </p:spPr>
       </p:pic>
       <p:pic>
         <p:nvPicPr>
-          <p:cNvPr id="108" name="Google Shape;108;p19"/>
-          <p:cNvPicPr preferRelativeResize="0"/>
+          <p:cNvPr id="9" name="Imagen 8">
+            <a:extLst>
+              <a:ext uri="{FF2B5EF4-FFF2-40B4-BE49-F238E27FC236}">
+                <a16:creationId xmlns:a16="http://schemas.microsoft.com/office/drawing/2014/main" id="{CAA94626-84B3-4091-9DF5-78837C2CBA22}"/>
+              </a:ext>
+            </a:extLst>
+          </p:cNvPr>
+          <p:cNvPicPr>
+            <a:picLocks noChangeAspect="1"/>
+          </p:cNvPicPr>
           <p:nvPr/>
         </p:nvPicPr>
         <p:blipFill>
-          <a:blip r:embed="rId5">
-            <a:alphaModFix/>
-          </a:blip>
+          <a:blip r:embed="rId4"/>
           <a:stretch>
             <a:fillRect/>
           </a:stretch>
         </p:blipFill>
         <p:spPr>
           <a:xfrm>
-            <a:off x="3046563" y="2851100"/>
-            <a:ext cx="1916354" cy="1316050"/>
+            <a:off x="446369" y="3874224"/>
+            <a:ext cx="8112642" cy="909401"/>
           </a:xfrm>
           <a:prstGeom prst="rect">
             <a:avLst/>
           </a:prstGeom>
-          <a:noFill/>
           <a:ln>
             <a:noFill/>
           </a:ln>
+          <a:effectLst>
+            <a:outerShdw blurRad="292100" dist="139700" dir="2700000" algn="tl" rotWithShape="0">
+              <a:srgbClr val="333333">
+                <a:alpha val="65000"/>
+              </a:srgbClr>
+            </a:outerShdw>
+          </a:effectLst>
         </p:spPr>
       </p:pic>
+    </p:spTree>
+    <p:extLst>
+      <p:ext uri="{BB962C8B-B14F-4D97-AF65-F5344CB8AC3E}">
+        <p14:creationId xmlns:p14="http://schemas.microsoft.com/office/powerpoint/2010/main" val="710465018"/>
+      </p:ext>
+    </p:extLst>
+  </p:cSld>
+  <p:clrMapOvr>
+    <a:masterClrMapping/>
+  </p:clrMapOvr>
+</p:sld>
+</file>
+
+<file path=ppt/slides/slide7.xml><?xml version="1.0" encoding="utf-8"?>
+<p:sld xmlns:a="http://schemas.openxmlformats.org/drawingml/2006/main" xmlns:r="http://schemas.openxmlformats.org/officeDocument/2006/relationships" xmlns:p="http://schemas.openxmlformats.org/presentationml/2006/main">
+  <p:cSld>
+    <p:spTree>
+      <p:nvGrpSpPr>
+        <p:cNvPr id="1" name=""/>
+        <p:cNvGrpSpPr/>
+        <p:nvPr/>
+      </p:nvGrpSpPr>
+      <p:grpSpPr>
+        <a:xfrm>
+          <a:off x="0" y="0"/>
+          <a:ext cx="0" cy="0"/>
+          <a:chOff x="0" y="0"/>
+          <a:chExt cx="0" cy="0"/>
+        </a:xfrm>
+      </p:grpSpPr>
       <p:sp>
         <p:nvSpPr>
-          <p:cNvPr id="109" name="Google Shape;109;p19"/>
-          <p:cNvSpPr/>
-          <p:nvPr/>
-        </p:nvSpPr>
-        <p:spPr>
-          <a:xfrm>
-            <a:off x="5903700" y="0"/>
-            <a:ext cx="3240300" cy="5143500"/>
-          </a:xfrm>
-          <a:prstGeom prst="rect">
-            <a:avLst/>
-          </a:prstGeom>
-          <a:solidFill>
-            <a:schemeClr val="dk1"/>
-          </a:solidFill>
-          <a:ln w="9525" cap="flat" cmpd="sng">
-            <a:solidFill>
-              <a:schemeClr val="dk1"/>
-            </a:solidFill>
-            <a:prstDash val="solid"/>
-            <a:round/>
-            <a:headEnd type="none" w="sm" len="sm"/>
-            <a:tailEnd type="none" w="sm" len="sm"/>
-          </a:ln>
-        </p:spPr>
-        <p:txBody>
-          <a:bodyPr spcFirstLastPara="1" wrap="square" lIns="91425" tIns="91425" rIns="91425" bIns="91425" anchor="ctr" anchorCtr="0">
-            <a:noAutofit/>
-          </a:bodyPr>
-          <a:lstStyle/>
-          <a:p>
-            <a:pPr marL="0" lvl="0" indent="0" algn="l" rtl="0">
-              <a:spcBef>
-                <a:spcPts val="0"/>
-              </a:spcBef>
-              <a:spcAft>
-                <a:spcPts val="0"/>
-              </a:spcAft>
-              <a:buNone/>
-            </a:pPr>
-            <a:endParaRPr/>
-          </a:p>
-        </p:txBody>
-      </p:sp>
-      <p:sp>
-        <p:nvSpPr>
-          <p:cNvPr id="110" name="Google Shape;110;p19"/>
-          <p:cNvSpPr txBox="1">
+          <p:cNvPr id="2" name="Título 1">
+            <a:extLst>
+              <a:ext uri="{FF2B5EF4-FFF2-40B4-BE49-F238E27FC236}">
+                <a16:creationId xmlns:a16="http://schemas.microsoft.com/office/drawing/2014/main" id="{B386FAAC-9624-4103-BF85-C6250E8C3CD6}"/>
+              </a:ext>
+            </a:extLst>
+          </p:cNvPr>
+          <p:cNvSpPr>
             <a:spLocks noGrp="1"/>
           </p:cNvSpPr>
           <p:nvPr>
             <p:ph type="title"/>
           </p:nvPr>
         </p:nvSpPr>
-        <p:spPr>
-          <a:xfrm>
-            <a:off x="5999750" y="1201425"/>
-            <a:ext cx="2985600" cy="1953900"/>
-          </a:xfrm>
-          <a:prstGeom prst="rect">
-            <a:avLst/>
-          </a:prstGeom>
-        </p:spPr>
+        <p:spPr/>
         <p:txBody>
-          <a:bodyPr spcFirstLastPara="1" wrap="square" lIns="91425" tIns="91425" rIns="91425" bIns="91425" anchor="ctr" anchorCtr="0">
-            <a:noAutofit/>
-          </a:bodyPr>
+          <a:bodyPr/>
           <a:lstStyle/>
           <a:p>
-            <a:pPr marL="0" lvl="0" indent="0" algn="ctr" rtl="0">
-              <a:spcBef>
-                <a:spcPts val="0"/>
-              </a:spcBef>
-              <a:spcAft>
-                <a:spcPts val="0"/>
-              </a:spcAft>
-              <a:buNone/>
-            </a:pPr>
             <a:r>
-              <a:rPr lang="es" sz="4600">
-                <a:solidFill>
-                  <a:schemeClr val="lt1"/>
-                </a:solidFill>
-              </a:rPr>
-              <a:t>Traducción </a:t>
+              <a:rPr lang="es-ES" dirty="0"/>
+              <a:t>DEMOSTRACIÓN</a:t>
             </a:r>
-            <a:endParaRPr sz="4600">
-              <a:solidFill>
-                <a:schemeClr val="lt1"/>
-              </a:solidFill>
-            </a:endParaRPr>
-          </a:p>
-          <a:p>
-            <a:pPr marL="0" lvl="0" indent="0" algn="ctr" rtl="0">
-              <a:spcBef>
-                <a:spcPts val="0"/>
-              </a:spcBef>
-              <a:spcAft>
-                <a:spcPts val="0"/>
-              </a:spcAft>
-              <a:buNone/>
-            </a:pPr>
-            <a:r>
-              <a:rPr lang="es" sz="4600">
-                <a:solidFill>
-                  <a:schemeClr val="lt1"/>
-                </a:solidFill>
-              </a:rPr>
-              <a:t>del interfaz</a:t>
-            </a:r>
-            <a:endParaRPr sz="4600">
-              <a:solidFill>
-                <a:schemeClr val="lt1"/>
-              </a:solidFill>
-            </a:endParaRPr>
-          </a:p>
-          <a:p>
-            <a:pPr marL="0" lvl="0" indent="0" algn="ctr" rtl="0">
-              <a:spcBef>
-                <a:spcPts val="0"/>
-              </a:spcBef>
-              <a:spcAft>
-                <a:spcPts val="0"/>
-              </a:spcAft>
-              <a:buNone/>
-            </a:pPr>
-            <a:r>
-              <a:rPr lang="es" sz="4600">
-                <a:solidFill>
-                  <a:schemeClr val="lt1"/>
-                </a:solidFill>
-              </a:rPr>
-              <a:t>en inglés</a:t>
-            </a:r>
-            <a:endParaRPr sz="4600">
-              <a:solidFill>
-                <a:schemeClr val="lt1"/>
-              </a:solidFill>
-            </a:endParaRPr>
           </a:p>
         </p:txBody>
       </p:sp>
     </p:spTree>
+    <p:extLst>
+      <p:ext uri="{BB962C8B-B14F-4D97-AF65-F5344CB8AC3E}">
+        <p14:creationId xmlns:p14="http://schemas.microsoft.com/office/powerpoint/2010/main" val="4067615191"/>
+      </p:ext>
+    </p:extLst>
   </p:cSld>
   <p:clrMapOvr>
     <a:masterClrMapping/>
